--- a/Anime_Presentation[1].pptx
+++ b/Anime_Presentation[1].pptx
@@ -10,11 +10,11 @@
     <p:sldId id="258" r:id="rId5"/>
     <p:sldId id="260" r:id="rId6"/>
     <p:sldId id="263" r:id="rId7"/>
-    <p:sldId id="287" r:id="rId8"/>
-    <p:sldId id="288" r:id="rId9"/>
-    <p:sldId id="289" r:id="rId10"/>
-    <p:sldId id="264" r:id="rId11"/>
-    <p:sldId id="265" r:id="rId12"/>
+    <p:sldId id="264" r:id="rId8"/>
+    <p:sldId id="287" r:id="rId9"/>
+    <p:sldId id="312" r:id="rId10"/>
+    <p:sldId id="265" r:id="rId11"/>
+    <p:sldId id="289" r:id="rId12"/>
     <p:sldId id="267" r:id="rId13"/>
     <p:sldId id="266" r:id="rId14"/>
     <p:sldId id="268" r:id="rId15"/>
@@ -26,14 +26,15 @@
     <p:sldId id="273" r:id="rId21"/>
     <p:sldId id="276" r:id="rId22"/>
     <p:sldId id="277" r:id="rId23"/>
-    <p:sldId id="278" r:id="rId24"/>
-    <p:sldId id="279" r:id="rId25"/>
-    <p:sldId id="280" r:id="rId26"/>
-    <p:sldId id="281" r:id="rId27"/>
-    <p:sldId id="282" r:id="rId28"/>
-    <p:sldId id="283" r:id="rId29"/>
-    <p:sldId id="259" r:id="rId30"/>
-    <p:sldId id="284" r:id="rId31"/>
+    <p:sldId id="314" r:id="rId24"/>
+    <p:sldId id="315" r:id="rId25"/>
+    <p:sldId id="279" r:id="rId26"/>
+    <p:sldId id="280" r:id="rId27"/>
+    <p:sldId id="281" r:id="rId28"/>
+    <p:sldId id="282" r:id="rId29"/>
+    <p:sldId id="283" r:id="rId30"/>
+    <p:sldId id="259" r:id="rId31"/>
+    <p:sldId id="284" r:id="rId32"/>
   </p:sldIdLst>
   <p:sldSz cx="12192000" cy="6858000"/>
   <p:notesSz cx="6858000" cy="9144000"/>
@@ -5826,7 +5827,7 @@
         </p:blipFill>
         <p:spPr>
           <a:xfrm>
-            <a:off x="1" y="1"/>
+            <a:off x="1" y="20321"/>
             <a:ext cx="12192000" cy="6857999"/>
           </a:xfrm>
           <a:prstGeom prst="rect">
@@ -6016,14 +6017,7 @@
         <p:cNvGrpSpPr/>
         <p:nvPr/>
       </p:nvGrpSpPr>
-      <p:grpSpPr>
-        <a:xfrm>
-          <a:off x="0" y="0"/>
-          <a:ext cx="0" cy="0"/>
-          <a:chOff x="0" y="0"/>
-          <a:chExt cx="0" cy="0"/>
-        </a:xfrm>
-      </p:grpSpPr>
+      <p:grpSpPr/>
       <p:sp>
         <p:nvSpPr>
           <p:cNvPr id="2" name="Title 1"/>
@@ -6036,19 +6030,17 @@
         </p:nvSpPr>
         <p:spPr/>
         <p:txBody>
-          <a:bodyPr>
-            <a:normAutofit/>
-          </a:bodyPr>
-          <a:lstStyle/>
-          <a:p>
-            <a:r>
-              <a:rPr lang="en-US" sz="5400" dirty="0">
-                <a:latin typeface="Helvetica" panose="020B0604020202020204" pitchFamily="34" charset="0"/>
-                <a:cs typeface="Helvetica" panose="020B0604020202020204" pitchFamily="34" charset="0"/>
-              </a:rPr>
-              <a:t>Feature engineering</a:t>
-            </a:r>
-            <a:endParaRPr lang="en-US" sz="5400" dirty="0">
+          <a:bodyPr/>
+          <a:p>
+            <a:r>
+              <a:rPr lang="en-IN" sz="4800" dirty="0">
+                <a:latin typeface="Helvetica" panose="020B0604020202020204" pitchFamily="34" charset="0"/>
+                <a:cs typeface="Helvetica" panose="020B0604020202020204" pitchFamily="34" charset="0"/>
+                <a:sym typeface="+mn-ea"/>
+              </a:rPr>
+              <a:t>Feature- Description</a:t>
+            </a:r>
+            <a:endParaRPr lang="en-US" sz="4800">
               <a:latin typeface="Helvetica" panose="020B0604020202020204" pitchFamily="34" charset="0"/>
               <a:cs typeface="Helvetica" panose="020B0604020202020204" pitchFamily="34" charset="0"/>
             </a:endParaRPr>
@@ -6067,264 +6059,38 @@
         </p:nvSpPr>
         <p:spPr>
           <a:xfrm>
-            <a:off x="685801" y="2142067"/>
-            <a:ext cx="5687289" cy="4360333"/>
-          </a:xfrm>
-        </p:spPr>
-        <p:txBody>
-          <a:bodyPr>
-            <a:normAutofit fontScale="85000" lnSpcReduction="10000"/>
-          </a:bodyPr>
-          <a:lstStyle/>
-          <a:p>
-            <a:r>
-              <a:rPr lang="en-US" dirty="0">
-                <a:latin typeface="Helvetica" panose="020B0604020202020204" pitchFamily="34" charset="0"/>
-                <a:cs typeface="Helvetica" panose="020B0604020202020204" pitchFamily="34" charset="0"/>
-              </a:rPr>
-              <a:t>‘</a:t>
-            </a:r>
-            <a:r>
-              <a:rPr lang="en-US" dirty="0" err="1">
-                <a:latin typeface="Helvetica" panose="020B0604020202020204" pitchFamily="34" charset="0"/>
-                <a:cs typeface="Helvetica" panose="020B0604020202020204" pitchFamily="34" charset="0"/>
-              </a:rPr>
-              <a:t>Japanese_name</a:t>
-            </a:r>
-            <a:r>
-              <a:rPr lang="en-US" dirty="0">
-                <a:latin typeface="Helvetica" panose="020B0604020202020204" pitchFamily="34" charset="0"/>
-                <a:cs typeface="Helvetica" panose="020B0604020202020204" pitchFamily="34" charset="0"/>
-              </a:rPr>
-              <a:t>’, ‘</a:t>
-            </a:r>
-            <a:r>
-              <a:rPr lang="en-US" dirty="0" err="1">
-                <a:latin typeface="Helvetica" panose="020B0604020202020204" pitchFamily="34" charset="0"/>
-                <a:cs typeface="Helvetica" panose="020B0604020202020204" pitchFamily="34" charset="0"/>
-              </a:rPr>
-              <a:t>End_year</a:t>
-            </a:r>
-            <a:r>
-              <a:rPr lang="en-US" dirty="0">
-                <a:latin typeface="Helvetica" panose="020B0604020202020204" pitchFamily="34" charset="0"/>
-                <a:cs typeface="Helvetica" panose="020B0604020202020204" pitchFamily="34" charset="0"/>
-              </a:rPr>
-              <a:t>’, ‘</a:t>
-            </a:r>
-            <a:r>
-              <a:rPr lang="en-US" dirty="0" err="1">
-                <a:latin typeface="Helvetica" panose="020B0604020202020204" pitchFamily="34" charset="0"/>
-                <a:cs typeface="Helvetica" panose="020B0604020202020204" pitchFamily="34" charset="0"/>
-              </a:rPr>
-              <a:t>Content_Warning</a:t>
-            </a:r>
-            <a:r>
-              <a:rPr lang="en-US" dirty="0">
-                <a:latin typeface="Helvetica" panose="020B0604020202020204" pitchFamily="34" charset="0"/>
-                <a:cs typeface="Helvetica" panose="020B0604020202020204" pitchFamily="34" charset="0"/>
-              </a:rPr>
-              <a:t>’, ‘</a:t>
-            </a:r>
-            <a:r>
-              <a:rPr lang="en-US" dirty="0" err="1">
-                <a:latin typeface="Helvetica" panose="020B0604020202020204" pitchFamily="34" charset="0"/>
-                <a:cs typeface="Helvetica" panose="020B0604020202020204" pitchFamily="34" charset="0"/>
-              </a:rPr>
-              <a:t>Related_Mange</a:t>
-            </a:r>
-            <a:r>
-              <a:rPr lang="en-US" dirty="0">
-                <a:latin typeface="Helvetica" panose="020B0604020202020204" pitchFamily="34" charset="0"/>
-                <a:cs typeface="Helvetica" panose="020B0604020202020204" pitchFamily="34" charset="0"/>
-              </a:rPr>
-              <a:t>’ were removed due to more than 50% of the columns being null values and are not relevant to our current analysis</a:t>
-            </a:r>
-            <a:endParaRPr lang="en-US" dirty="0">
-              <a:latin typeface="Helvetica" panose="020B0604020202020204" pitchFamily="34" charset="0"/>
-              <a:cs typeface="Helvetica" panose="020B0604020202020204" pitchFamily="34" charset="0"/>
-            </a:endParaRPr>
-          </a:p>
-          <a:p>
-            <a:endParaRPr lang="en-US" dirty="0">
-              <a:latin typeface="Helvetica" panose="020B0604020202020204" pitchFamily="34" charset="0"/>
-              <a:cs typeface="Helvetica" panose="020B0604020202020204" pitchFamily="34" charset="0"/>
-            </a:endParaRPr>
-          </a:p>
-          <a:p>
-            <a:r>
-              <a:rPr lang="en-US" dirty="0">
-                <a:latin typeface="Helvetica" panose="020B0604020202020204" pitchFamily="34" charset="0"/>
-                <a:cs typeface="Helvetica" panose="020B0604020202020204" pitchFamily="34" charset="0"/>
-              </a:rPr>
-              <a:t>Unnecessary spaces were removed from ‘Type’</a:t>
-            </a:r>
-            <a:endParaRPr lang="en-US" dirty="0">
-              <a:latin typeface="Helvetica" panose="020B0604020202020204" pitchFamily="34" charset="0"/>
-              <a:cs typeface="Helvetica" panose="020B0604020202020204" pitchFamily="34" charset="0"/>
-            </a:endParaRPr>
-          </a:p>
-          <a:p>
-            <a:endParaRPr lang="en-US" dirty="0">
-              <a:latin typeface="Helvetica" panose="020B0604020202020204" pitchFamily="34" charset="0"/>
-              <a:cs typeface="Helvetica" panose="020B0604020202020204" pitchFamily="34" charset="0"/>
-            </a:endParaRPr>
-          </a:p>
-          <a:p>
-            <a:r>
-              <a:rPr lang="en-US" dirty="0">
-                <a:latin typeface="Helvetica" panose="020B0604020202020204" pitchFamily="34" charset="0"/>
-                <a:cs typeface="Helvetica" panose="020B0604020202020204" pitchFamily="34" charset="0"/>
-              </a:rPr>
-              <a:t>Count columns were created for ‘</a:t>
-            </a:r>
-            <a:r>
-              <a:rPr lang="en-US" dirty="0" err="1">
-                <a:latin typeface="Helvetica" panose="020B0604020202020204" pitchFamily="34" charset="0"/>
-                <a:cs typeface="Helvetica" panose="020B0604020202020204" pitchFamily="34" charset="0"/>
-              </a:rPr>
-              <a:t>Voice_actors</a:t>
-            </a:r>
-            <a:r>
-              <a:rPr lang="en-US" dirty="0">
-                <a:latin typeface="Helvetica" panose="020B0604020202020204" pitchFamily="34" charset="0"/>
-                <a:cs typeface="Helvetica" panose="020B0604020202020204" pitchFamily="34" charset="0"/>
-              </a:rPr>
-              <a:t>’, ‘staff’,‘</a:t>
-            </a:r>
-            <a:r>
-              <a:rPr lang="en-US" dirty="0" err="1">
-                <a:latin typeface="Helvetica" panose="020B0604020202020204" pitchFamily="34" charset="0"/>
-                <a:cs typeface="Helvetica" panose="020B0604020202020204" pitchFamily="34" charset="0"/>
-              </a:rPr>
-              <a:t>Related_anime</a:t>
-            </a:r>
-            <a:r>
-              <a:rPr lang="en-US" dirty="0">
-                <a:latin typeface="Helvetica" panose="020B0604020202020204" pitchFamily="34" charset="0"/>
-                <a:cs typeface="Helvetica" panose="020B0604020202020204" pitchFamily="34" charset="0"/>
-              </a:rPr>
-              <a:t>’, ‘</a:t>
-            </a:r>
-            <a:r>
-              <a:rPr lang="en-US" dirty="0" err="1">
-                <a:latin typeface="Helvetica" panose="020B0604020202020204" pitchFamily="34" charset="0"/>
-                <a:cs typeface="Helvetica" panose="020B0604020202020204" pitchFamily="34" charset="0"/>
-              </a:rPr>
-              <a:t>Related_Mange</a:t>
-            </a:r>
-            <a:r>
-              <a:rPr lang="en-US" dirty="0">
-                <a:latin typeface="Helvetica" panose="020B0604020202020204" pitchFamily="34" charset="0"/>
-                <a:cs typeface="Helvetica" panose="020B0604020202020204" pitchFamily="34" charset="0"/>
-              </a:rPr>
-              <a:t>’, and ‘Tags’</a:t>
-            </a:r>
-            <a:endParaRPr lang="en-US" dirty="0">
-              <a:latin typeface="Helvetica" panose="020B0604020202020204" pitchFamily="34" charset="0"/>
-              <a:cs typeface="Helvetica" panose="020B0604020202020204" pitchFamily="34" charset="0"/>
-            </a:endParaRPr>
-          </a:p>
-          <a:p>
-            <a:pPr lvl="1"/>
-            <a:r>
-              <a:rPr lang="en-US" dirty="0">
-                <a:latin typeface="Helvetica" panose="020B0604020202020204" pitchFamily="34" charset="0"/>
-                <a:cs typeface="Helvetica" panose="020B0604020202020204" pitchFamily="34" charset="0"/>
-              </a:rPr>
-              <a:t>the original columns were then removed </a:t>
-            </a:r>
-            <a:endParaRPr lang="en-US" dirty="0">
-              <a:latin typeface="Helvetica" panose="020B0604020202020204" pitchFamily="34" charset="0"/>
-              <a:cs typeface="Helvetica" panose="020B0604020202020204" pitchFamily="34" charset="0"/>
-            </a:endParaRPr>
-          </a:p>
-          <a:p>
-            <a:pPr lvl="1"/>
-            <a:r>
-              <a:rPr lang="en-US" dirty="0">
-                <a:latin typeface="Helvetica" panose="020B0604020202020204" pitchFamily="34" charset="0"/>
-                <a:cs typeface="Helvetica" panose="020B0604020202020204" pitchFamily="34" charset="0"/>
-              </a:rPr>
-              <a:t>This creates columns based on integers instead of strings</a:t>
-            </a:r>
-            <a:endParaRPr lang="en-US" dirty="0">
-              <a:latin typeface="Helvetica" panose="020B0604020202020204" pitchFamily="34" charset="0"/>
-              <a:cs typeface="Helvetica" panose="020B0604020202020204" pitchFamily="34" charset="0"/>
-            </a:endParaRPr>
-          </a:p>
-          <a:p>
-            <a:endParaRPr lang="en-US" dirty="0">
-              <a:latin typeface="Helvetica" panose="020B0604020202020204" pitchFamily="34" charset="0"/>
-              <a:cs typeface="Helvetica" panose="020B0604020202020204" pitchFamily="34" charset="0"/>
-            </a:endParaRPr>
-          </a:p>
-          <a:p>
-            <a:r>
-              <a:rPr lang="en-US" dirty="0">
-                <a:latin typeface="Helvetica" panose="020B0604020202020204" pitchFamily="34" charset="0"/>
-                <a:cs typeface="Helvetica" panose="020B0604020202020204" pitchFamily="34" charset="0"/>
-              </a:rPr>
-              <a:t>‘</a:t>
-            </a:r>
-            <a:r>
-              <a:rPr lang="en-US" dirty="0" err="1">
-                <a:latin typeface="Helvetica" panose="020B0604020202020204" pitchFamily="34" charset="0"/>
-                <a:cs typeface="Helvetica" panose="020B0604020202020204" pitchFamily="34" charset="0"/>
-              </a:rPr>
-              <a:t>Related_anime</a:t>
-            </a:r>
-            <a:r>
-              <a:rPr lang="en-US" dirty="0">
-                <a:latin typeface="Helvetica" panose="020B0604020202020204" pitchFamily="34" charset="0"/>
-                <a:cs typeface="Helvetica" panose="020B0604020202020204" pitchFamily="34" charset="0"/>
-              </a:rPr>
-              <a:t>’ and ‘</a:t>
-            </a:r>
-            <a:r>
-              <a:rPr lang="en-US" dirty="0" err="1">
-                <a:latin typeface="Helvetica" panose="020B0604020202020204" pitchFamily="34" charset="0"/>
-                <a:cs typeface="Helvetica" panose="020B0604020202020204" pitchFamily="34" charset="0"/>
-              </a:rPr>
-              <a:t>Related_Mange</a:t>
-            </a:r>
-            <a:r>
-              <a:rPr lang="en-US" dirty="0">
-                <a:latin typeface="Helvetica" panose="020B0604020202020204" pitchFamily="34" charset="0"/>
-                <a:cs typeface="Helvetica" panose="020B0604020202020204" pitchFamily="34" charset="0"/>
-              </a:rPr>
-              <a:t>’ counts were also added together to create a ‘</a:t>
-            </a:r>
-            <a:r>
-              <a:rPr lang="en-US" dirty="0" err="1">
-                <a:latin typeface="Helvetica" panose="020B0604020202020204" pitchFamily="34" charset="0"/>
-                <a:cs typeface="Helvetica" panose="020B0604020202020204" pitchFamily="34" charset="0"/>
-              </a:rPr>
-              <a:t>rel_media_count</a:t>
-            </a:r>
-            <a:r>
-              <a:rPr lang="en-US" dirty="0">
-                <a:latin typeface="Helvetica" panose="020B0604020202020204" pitchFamily="34" charset="0"/>
-                <a:cs typeface="Helvetica" panose="020B0604020202020204" pitchFamily="34" charset="0"/>
-              </a:rPr>
-              <a:t>’ column</a:t>
-            </a:r>
-            <a:endParaRPr lang="en-US" dirty="0">
-              <a:latin typeface="Helvetica" panose="020B0604020202020204" pitchFamily="34" charset="0"/>
-              <a:cs typeface="Helvetica" panose="020B0604020202020204" pitchFamily="34" charset="0"/>
-            </a:endParaRPr>
-          </a:p>
-          <a:p>
-            <a:endParaRPr lang="en-US" dirty="0">
-              <a:latin typeface="Helvetica" panose="020B0604020202020204" pitchFamily="34" charset="0"/>
-              <a:cs typeface="Helvetica" panose="020B0604020202020204" pitchFamily="34" charset="0"/>
-            </a:endParaRPr>
+            <a:off x="685800" y="1645285"/>
+            <a:ext cx="10131425" cy="4145915"/>
+          </a:xfrm>
+        </p:spPr>
+        <p:txBody>
+          <a:bodyPr/>
+          <a:p>
+            <a:pPr marL="0" indent="0">
+              <a:buNone/>
+            </a:pPr>
+            <a:r>
+              <a:rPr lang="en-IN" sz="2000" dirty="0">
+                <a:sym typeface="+mn-ea"/>
+              </a:rPr>
+              <a:t>Removing the value = “No synopsis Yet come back soon! ” </a:t>
+            </a:r>
+            <a:endParaRPr lang="en-IN" sz="2000" dirty="0"/>
+          </a:p>
+          <a:p>
+            <a:endParaRPr lang="en-IN" sz="2000" dirty="0"/>
+          </a:p>
+          <a:p>
+            <a:endParaRPr lang="en-IN" sz="2000" dirty="0"/>
+          </a:p>
+          <a:p>
+            <a:endParaRPr lang="en-US" sz="2000"/>
           </a:p>
         </p:txBody>
       </p:sp>
       <p:pic>
         <p:nvPicPr>
-          <p:cNvPr id="8" name="Picture 7"/>
+          <p:cNvPr id="18" name="Picture 17"/>
           <p:cNvPicPr>
             <a:picLocks noChangeAspect="1"/>
           </p:cNvPicPr>
@@ -6338,8 +6104,32 @@
         </p:blipFill>
         <p:spPr>
           <a:xfrm>
-            <a:off x="7436278" y="1723207"/>
-            <a:ext cx="4069921" cy="4964409"/>
+            <a:off x="804545" y="3658870"/>
+            <a:ext cx="5685155" cy="1172210"/>
+          </a:xfrm>
+          <a:prstGeom prst="rect">
+            <a:avLst/>
+          </a:prstGeom>
+        </p:spPr>
+      </p:pic>
+      <p:pic>
+        <p:nvPicPr>
+          <p:cNvPr id="21" name="Content Placeholder 7"/>
+          <p:cNvPicPr>
+            <a:picLocks noChangeAspect="1"/>
+          </p:cNvPicPr>
+          <p:nvPr/>
+        </p:nvPicPr>
+        <p:blipFill>
+          <a:blip r:embed="rId2"/>
+          <a:stretch>
+            <a:fillRect/>
+          </a:stretch>
+        </p:blipFill>
+        <p:spPr>
+          <a:xfrm>
+            <a:off x="6741441" y="2728403"/>
+            <a:ext cx="4980967" cy="3295677"/>
           </a:xfrm>
           <a:prstGeom prst="rect">
             <a:avLst/>
@@ -7818,14 +7608,7 @@
         <p:cNvGrpSpPr/>
         <p:nvPr/>
       </p:nvGrpSpPr>
-      <p:grpSpPr>
-        <a:xfrm>
-          <a:off x="0" y="0"/>
-          <a:ext cx="0" cy="0"/>
-          <a:chOff x="0" y="0"/>
-          <a:chExt cx="0" cy="0"/>
-        </a:xfrm>
-      </p:grpSpPr>
+      <p:grpSpPr/>
       <p:sp>
         <p:nvSpPr>
           <p:cNvPr id="2" name="Title 1"/>
@@ -7837,91 +7620,51 @@
           </p:nvPr>
         </p:nvSpPr>
         <p:spPr/>
-        <p:txBody>
-          <a:bodyPr>
-            <a:noAutofit/>
-          </a:bodyPr>
-          <a:lstStyle/>
-          <a:p>
-            <a:pPr marL="342900" marR="0" lvl="0" indent="-342900" fontAlgn="base">
-              <a:lnSpc>
-                <a:spcPct val="107000"/>
-              </a:lnSpc>
-              <a:spcBef>
-                <a:spcPts val="0"/>
-              </a:spcBef>
-              <a:spcAft>
-                <a:spcPts val="0"/>
-              </a:spcAft>
-              <a:buFont typeface="+mj-lt"/>
-              <a:buAutoNum type="arabicPeriod"/>
-            </a:pPr>
-            <a:r>
-              <a:rPr lang="en-US" sz="2000" b="1" kern="0" dirty="0">
-                <a:effectLst/>
-                <a:latin typeface="Helvetica" panose="020B0604020202020204" pitchFamily="34" charset="0"/>
-                <a:ea typeface="Times New Roman" panose="02020603050405020304" pitchFamily="18" charset="0"/>
-                <a:cs typeface="Helvetica" panose="020B0604020202020204" pitchFamily="34" charset="0"/>
-              </a:rPr>
-              <a:t>How does the type of anime (e.g., TV series, movie, OVA) relate to the average user ratings on Anime Planet? Are there significant differences in ratings based on the type of anime?</a:t>
-            </a:r>
-            <a:endParaRPr lang="en-US" sz="2000" b="1" kern="100" dirty="0">
-              <a:effectLst/>
-              <a:latin typeface="Helvetica" panose="020B0604020202020204" pitchFamily="34" charset="0"/>
-              <a:ea typeface="DengXian" panose="02010600030101010101" pitchFamily="2" charset="-122"/>
-              <a:cs typeface="Helvetica" panose="020B0604020202020204" pitchFamily="34" charset="0"/>
-            </a:endParaRPr>
-          </a:p>
-        </p:txBody>
-      </p:sp>
-      <p:sp>
-        <p:nvSpPr>
-          <p:cNvPr id="3" name="Content Placeholder 2"/>
-          <p:cNvSpPr>
-            <a:spLocks noGrp="1"/>
-          </p:cNvSpPr>
-          <p:nvPr>
-            <p:ph idx="1"/>
-          </p:nvPr>
-        </p:nvSpPr>
-        <p:spPr>
-          <a:xfrm>
-            <a:off x="685802" y="2142067"/>
-            <a:ext cx="4976089" cy="4360333"/>
-          </a:xfrm>
-        </p:spPr>
         <p:txBody>
           <a:bodyPr>
             <a:normAutofit/>
           </a:bodyPr>
-          <a:lstStyle/>
-          <a:p>
-            <a:pPr marL="0" indent="0">
-              <a:buNone/>
-            </a:pPr>
-            <a:r>
-              <a:rPr lang="en-US" sz="2000" b="0" dirty="0">
-                <a:effectLst/>
-                <a:latin typeface="Helvetica" panose="020B0604020202020204" pitchFamily="34" charset="0"/>
-                <a:cs typeface="Helvetica" panose="020B0604020202020204" pitchFamily="34" charset="0"/>
-              </a:rPr>
-              <a:t>TV shows have the highest mean ratings, followed by TV specials.</a:t>
-            </a:r>
-            <a:endParaRPr lang="en-US" sz="2000" b="0" dirty="0">
-              <a:effectLst/>
-              <a:latin typeface="Helvetica" panose="020B0604020202020204" pitchFamily="34" charset="0"/>
-              <a:cs typeface="Helvetica" panose="020B0604020202020204" pitchFamily="34" charset="0"/>
-            </a:endParaRPr>
+          <a:p>
+            <a:r>
+              <a:rPr lang="en-IN" altLang="en-US" sz="2220" b="1" kern="0" dirty="0">
+                <a:latin typeface="Helvetica" panose="020B0604020202020204" pitchFamily="34" charset="0"/>
+                <a:ea typeface="Times New Roman" panose="02020603050405020304" pitchFamily="18" charset="0"/>
+                <a:cs typeface="Helvetica" panose="020B0604020202020204" pitchFamily="34" charset="0"/>
+                <a:sym typeface="+mn-ea"/>
+              </a:rPr>
+              <a:t>1.</a:t>
+            </a:r>
+            <a:r>
+              <a:rPr lang="en-US" sz="2220" b="1" kern="0" dirty="0">
+                <a:latin typeface="Helvetica" panose="020B0604020202020204" pitchFamily="34" charset="0"/>
+                <a:ea typeface="Times New Roman" panose="02020603050405020304" pitchFamily="18" charset="0"/>
+                <a:cs typeface="Helvetica" panose="020B0604020202020204" pitchFamily="34" charset="0"/>
+                <a:sym typeface="+mn-ea"/>
+              </a:rPr>
+              <a:t>How does the type of anime (e.g., TV series, movie, OVA) relate to the average user </a:t>
+            </a:r>
+            <a:r>
+              <a:rPr lang="en-US" sz="2220" b="1" kern="0" dirty="0">
+                <a:latin typeface="Helvetica" panose="020B0604020202020204" pitchFamily="34" charset="0"/>
+                <a:ea typeface="Times New Roman" panose="02020603050405020304" pitchFamily="18" charset="0"/>
+                <a:cs typeface="Helvetica" panose="020B0604020202020204" pitchFamily="34" charset="0"/>
+                <a:sym typeface="+mn-ea"/>
+              </a:rPr>
+              <a:t>ratings on Anime Planet? Are there significant differences in ratings based on the type of anime?</a:t>
+            </a:r>
+            <a:endParaRPr lang="en-US" sz="2220"/>
           </a:p>
         </p:txBody>
       </p:sp>
       <p:pic>
         <p:nvPicPr>
-          <p:cNvPr id="5" name="Picture 4"/>
+          <p:cNvPr id="4" name="Content Placeholder 3"/>
           <p:cNvPicPr>
             <a:picLocks noChangeAspect="1"/>
           </p:cNvPicPr>
-          <p:nvPr/>
+          <p:nvPr>
+            <p:ph idx="1"/>
+          </p:nvPr>
         </p:nvPicPr>
         <p:blipFill>
           <a:blip r:embed="rId1"/>
@@ -7931,8 +7674,32 @@
         </p:blipFill>
         <p:spPr>
           <a:xfrm>
-            <a:off x="6096000" y="2291994"/>
-            <a:ext cx="5914738" cy="3713747"/>
+            <a:off x="334010" y="2778125"/>
+            <a:ext cx="4439285" cy="2690495"/>
+          </a:xfrm>
+          <a:prstGeom prst="rect">
+            <a:avLst/>
+          </a:prstGeom>
+        </p:spPr>
+      </p:pic>
+      <p:pic>
+        <p:nvPicPr>
+          <p:cNvPr id="6" name="Picture 5"/>
+          <p:cNvPicPr>
+            <a:picLocks noChangeAspect="1"/>
+          </p:cNvPicPr>
+          <p:nvPr/>
+        </p:nvPicPr>
+        <p:blipFill>
+          <a:blip r:embed="rId2"/>
+          <a:stretch>
+            <a:fillRect/>
+          </a:stretch>
+        </p:blipFill>
+        <p:spPr>
+          <a:xfrm>
+            <a:off x="5163185" y="2679065"/>
+            <a:ext cx="6703060" cy="3810635"/>
           </a:xfrm>
           <a:prstGeom prst="rect">
             <a:avLst/>
@@ -7956,14 +7723,7 @@
         <p:cNvGrpSpPr/>
         <p:nvPr/>
       </p:nvGrpSpPr>
-      <p:grpSpPr>
-        <a:xfrm>
-          <a:off x="0" y="0"/>
-          <a:ext cx="0" cy="0"/>
-          <a:chOff x="0" y="0"/>
-          <a:chExt cx="0" cy="0"/>
-        </a:xfrm>
-      </p:grpSpPr>
+      <p:grpSpPr/>
       <p:sp>
         <p:nvSpPr>
           <p:cNvPr id="2" name="Title 1"/>
@@ -7974,97 +7734,18 @@
             <p:ph type="title"/>
           </p:nvPr>
         </p:nvSpPr>
-        <p:spPr>
-          <a:xfrm>
-            <a:off x="685801" y="609600"/>
-            <a:ext cx="10485407" cy="1456267"/>
-          </a:xfrm>
-        </p:spPr>
-        <p:txBody>
-          <a:bodyPr>
-            <a:noAutofit/>
-          </a:bodyPr>
-          <a:lstStyle/>
-          <a:p>
-            <a:pPr marR="0" lvl="0" fontAlgn="base">
-              <a:lnSpc>
-                <a:spcPct val="107000"/>
-              </a:lnSpc>
-              <a:spcBef>
-                <a:spcPts val="0"/>
-              </a:spcBef>
-              <a:spcAft>
-                <a:spcPts val="0"/>
-              </a:spcAft>
-            </a:pPr>
-            <a:r>
-              <a:rPr lang="en-US" sz="2000" b="1" kern="0" dirty="0">
-                <a:effectLst/>
-                <a:latin typeface="Helvetica" panose="020B0604020202020204" pitchFamily="34" charset="0"/>
-                <a:ea typeface="Times New Roman" panose="02020603050405020304" pitchFamily="18" charset="0"/>
-                <a:cs typeface="Helvetica" panose="020B0604020202020204" pitchFamily="34" charset="0"/>
-              </a:rPr>
-              <a:t>2. Can we predict the user ratings of anime based on the available information such as the studio, release season, and tags? What factors have the most significant impact on an anime's rating, and can we build a predictive model for anime popularity?</a:t>
-            </a:r>
-            <a:endParaRPr lang="en-US" sz="2000" b="1" kern="100" dirty="0">
-              <a:effectLst/>
-              <a:latin typeface="Helvetica" panose="020B0604020202020204" pitchFamily="34" charset="0"/>
-              <a:ea typeface="DengXian" panose="02010600030101010101" pitchFamily="2" charset="-122"/>
-              <a:cs typeface="Helvetica" panose="020B0604020202020204" pitchFamily="34" charset="0"/>
-            </a:endParaRPr>
-          </a:p>
-        </p:txBody>
-      </p:sp>
-      <p:sp>
-        <p:nvSpPr>
-          <p:cNvPr id="3" name="Content Placeholder 2"/>
-          <p:cNvSpPr>
-            <a:spLocks noGrp="1"/>
-          </p:cNvSpPr>
-          <p:nvPr>
-            <p:ph idx="1"/>
-          </p:nvPr>
-        </p:nvSpPr>
-        <p:spPr>
-          <a:xfrm>
-            <a:off x="685802" y="2142067"/>
-            <a:ext cx="5542470" cy="4360333"/>
-          </a:xfrm>
-        </p:spPr>
-        <p:txBody>
-          <a:bodyPr>
-            <a:normAutofit/>
-          </a:bodyPr>
-          <a:lstStyle/>
-          <a:p>
-            <a:pPr marL="0" indent="0">
-              <a:buNone/>
-            </a:pPr>
-            <a:r>
-              <a:rPr lang="en-US" sz="2000" b="0" dirty="0">
-                <a:effectLst/>
-                <a:latin typeface="Helvetica" panose="020B0604020202020204" pitchFamily="34" charset="0"/>
-                <a:cs typeface="Helvetica" panose="020B0604020202020204" pitchFamily="34" charset="0"/>
-              </a:rPr>
-              <a:t>To answer this question, a model is</a:t>
-            </a:r>
-            <a:r>
-              <a:rPr lang="en-US" sz="2000" dirty="0">
-                <a:latin typeface="Helvetica" panose="020B0604020202020204" pitchFamily="34" charset="0"/>
-                <a:cs typeface="Helvetica" panose="020B0604020202020204" pitchFamily="34" charset="0"/>
-              </a:rPr>
-              <a:t> needed</a:t>
-            </a:r>
-            <a:r>
-              <a:rPr lang="en-US" sz="2000" b="0" dirty="0">
-                <a:effectLst/>
-                <a:latin typeface="Helvetica" panose="020B0604020202020204" pitchFamily="34" charset="0"/>
-                <a:cs typeface="Helvetica" panose="020B0604020202020204" pitchFamily="34" charset="0"/>
-              </a:rPr>
-              <a:t> and additional data cleaning is also needed.</a:t>
-            </a:r>
-            <a:endParaRPr lang="en-US" sz="2000" b="0" dirty="0">
-              <a:effectLst/>
+        <p:spPr/>
+        <p:txBody>
+          <a:bodyPr/>
+          <a:p>
+            <a:r>
+              <a:rPr lang="en-IN" altLang="en-US">
+                <a:latin typeface="Helvetica" panose="020B0604020202020204" pitchFamily="34" charset="0"/>
+                <a:cs typeface="Helvetica" panose="020B0604020202020204" pitchFamily="34" charset="0"/>
+              </a:rPr>
+              <a:t>based on type of animae average user ratings:</a:t>
+            </a:r>
+            <a:endParaRPr lang="en-IN" altLang="en-US">
               <a:latin typeface="Helvetica" panose="020B0604020202020204" pitchFamily="34" charset="0"/>
               <a:cs typeface="Helvetica" panose="020B0604020202020204" pitchFamily="34" charset="0"/>
             </a:endParaRPr>
@@ -8073,28 +7754,48 @@
       </p:sp>
       <p:pic>
         <p:nvPicPr>
-          <p:cNvPr id="6" name="Picture 5" descr="Owl standing on top of a numbered stepped wall"/>
+          <p:cNvPr id="4" name="Content Placeholder 3"/>
+          <p:cNvPicPr>
+            <a:picLocks noChangeAspect="1"/>
+          </p:cNvPicPr>
+          <p:nvPr>
+            <p:ph idx="1"/>
+          </p:nvPr>
+        </p:nvPicPr>
+        <p:blipFill>
+          <a:blip r:embed="rId1"/>
+          <a:stretch>
+            <a:fillRect/>
+          </a:stretch>
+        </p:blipFill>
+        <p:spPr>
+          <a:xfrm>
+            <a:off x="685800" y="2606040"/>
+            <a:ext cx="5036820" cy="2720340"/>
+          </a:xfrm>
+          <a:prstGeom prst="rect">
+            <a:avLst/>
+          </a:prstGeom>
+        </p:spPr>
+      </p:pic>
+      <p:pic>
+        <p:nvPicPr>
+          <p:cNvPr id="5" name="Picture 4"/>
           <p:cNvPicPr>
             <a:picLocks noChangeAspect="1"/>
           </p:cNvPicPr>
           <p:nvPr/>
         </p:nvPicPr>
         <p:blipFill>
-          <a:blip r:embed="rId1">
-            <a:extLst>
-              <a:ext uri="{28A0092B-C50C-407E-A947-70E740481C1C}">
-                <a14:useLocalDpi xmlns:a14="http://schemas.microsoft.com/office/drawing/2010/main" val="0"/>
-              </a:ext>
-            </a:extLst>
-          </a:blip>
+          <a:blip r:embed="rId2"/>
           <a:stretch>
             <a:fillRect/>
           </a:stretch>
         </p:blipFill>
         <p:spPr>
           <a:xfrm>
-            <a:off x="6530111" y="2664024"/>
-            <a:ext cx="4976090" cy="3316418"/>
+            <a:off x="6318885" y="2606040"/>
+            <a:ext cx="5464810" cy="2720975"/>
           </a:xfrm>
           <a:prstGeom prst="rect">
             <a:avLst/>
@@ -8136,7 +7837,12 @@
             <p:ph type="title"/>
           </p:nvPr>
         </p:nvSpPr>
-        <p:spPr/>
+        <p:spPr>
+          <a:xfrm>
+            <a:off x="685801" y="609600"/>
+            <a:ext cx="10485407" cy="1456267"/>
+          </a:xfrm>
+        </p:spPr>
         <p:txBody>
           <a:bodyPr>
             <a:noAutofit/>
@@ -8155,14 +7861,15 @@
               </a:spcAft>
             </a:pPr>
             <a:r>
-              <a:rPr lang="en-US" sz="5400" b="1" kern="100" dirty="0">
-                <a:latin typeface="Helvetica" panose="020B0604020202020204" pitchFamily="34" charset="0"/>
-                <a:ea typeface="DengXian" panose="02010600030101010101" pitchFamily="2" charset="-122"/>
-                <a:cs typeface="Helvetica" panose="020B0604020202020204" pitchFamily="34" charset="0"/>
-              </a:rPr>
-              <a:t>Filling missing values</a:t>
-            </a:r>
-            <a:endParaRPr lang="en-US" sz="5400" b="1" kern="100" dirty="0">
+              <a:rPr lang="en-US" sz="2000" b="1" kern="0" dirty="0">
+                <a:effectLst/>
+                <a:latin typeface="Helvetica" panose="020B0604020202020204" pitchFamily="34" charset="0"/>
+                <a:ea typeface="Times New Roman" panose="02020603050405020304" pitchFamily="18" charset="0"/>
+                <a:cs typeface="Helvetica" panose="020B0604020202020204" pitchFamily="34" charset="0"/>
+              </a:rPr>
+              <a:t>2. Can we predict the user ratings of anime based on the available information such as the studio, release season, and tags? What factors have the most significant impact on an anime's rating, and can we build a predictive model for anime popularity?</a:t>
+            </a:r>
+            <a:endParaRPr lang="en-US" sz="2000" b="1" kern="100" dirty="0">
               <a:effectLst/>
               <a:latin typeface="Helvetica" panose="020B0604020202020204" pitchFamily="34" charset="0"/>
               <a:ea typeface="DengXian" panose="02010600030101010101" pitchFamily="2" charset="-122"/>
@@ -8184,7 +7891,7 @@
         <p:spPr>
           <a:xfrm>
             <a:off x="685802" y="2142067"/>
-            <a:ext cx="4976089" cy="4360333"/>
+            <a:ext cx="5542470" cy="4360333"/>
           </a:xfrm>
         </p:spPr>
         <p:txBody>
@@ -8193,76 +7900,31 @@
           </a:bodyPr>
           <a:lstStyle/>
           <a:p>
+            <a:pPr marL="0" indent="0">
+              <a:buNone/>
+            </a:pPr>
             <a:r>
               <a:rPr lang="en-US" sz="2000" b="0" dirty="0">
                 <a:effectLst/>
                 <a:latin typeface="Helvetica" panose="020B0604020202020204" pitchFamily="34" charset="0"/>
                 <a:cs typeface="Helvetica" panose="020B0604020202020204" pitchFamily="34" charset="0"/>
               </a:rPr>
-              <a:t>Missing episode values were filled using the median, a</a:t>
+              <a:t>To answer this question, a model is</a:t>
             </a:r>
             <a:r>
               <a:rPr lang="en-US" sz="2000" dirty="0">
                 <a:latin typeface="Helvetica" panose="020B0604020202020204" pitchFamily="34" charset="0"/>
                 <a:cs typeface="Helvetica" panose="020B0604020202020204" pitchFamily="34" charset="0"/>
               </a:rPr>
-              <a:t>s anime seasons typically have 12 episodes</a:t>
-            </a:r>
-            <a:endParaRPr lang="en-US" sz="2000" dirty="0">
-              <a:latin typeface="Helvetica" panose="020B0604020202020204" pitchFamily="34" charset="0"/>
-              <a:cs typeface="Helvetica" panose="020B0604020202020204" pitchFamily="34" charset="0"/>
-            </a:endParaRPr>
-          </a:p>
-          <a:p>
-            <a:r>
-              <a:rPr lang="en-US" sz="2000" dirty="0">
-                <a:latin typeface="Helvetica" panose="020B0604020202020204" pitchFamily="34" charset="0"/>
-                <a:cs typeface="Helvetica" panose="020B0604020202020204" pitchFamily="34" charset="0"/>
-              </a:rPr>
-              <a:t>Missing release years were also filled using the median</a:t>
-            </a:r>
-            <a:endParaRPr lang="en-US" sz="2000" dirty="0">
-              <a:latin typeface="Helvetica" panose="020B0604020202020204" pitchFamily="34" charset="0"/>
-              <a:cs typeface="Helvetica" panose="020B0604020202020204" pitchFamily="34" charset="0"/>
-            </a:endParaRPr>
-          </a:p>
-          <a:p>
-            <a:r>
-              <a:rPr lang="en-US" sz="2000" dirty="0">
-                <a:latin typeface="Helvetica" panose="020B0604020202020204" pitchFamily="34" charset="0"/>
-                <a:cs typeface="Helvetica" panose="020B0604020202020204" pitchFamily="34" charset="0"/>
-              </a:rPr>
-              <a:t>Missing studio values were filled by randomly selecting a studio</a:t>
-            </a:r>
-            <a:endParaRPr lang="en-US" sz="2000" dirty="0">
-              <a:latin typeface="Helvetica" panose="020B0604020202020204" pitchFamily="34" charset="0"/>
-              <a:cs typeface="Helvetica" panose="020B0604020202020204" pitchFamily="34" charset="0"/>
-            </a:endParaRPr>
-          </a:p>
-          <a:p>
+              <a:t> needed</a:t>
+            </a:r>
             <a:r>
               <a:rPr lang="en-US" sz="2000" b="0" dirty="0">
                 <a:effectLst/>
                 <a:latin typeface="Helvetica" panose="020B0604020202020204" pitchFamily="34" charset="0"/>
                 <a:cs typeface="Helvetica" panose="020B0604020202020204" pitchFamily="34" charset="0"/>
               </a:rPr>
-              <a:t>The Tags, Studio, Type, </a:t>
-            </a:r>
-            <a:r>
-              <a:rPr lang="en-US" sz="2000" b="0" dirty="0" err="1">
-                <a:effectLst/>
-                <a:latin typeface="Helvetica" panose="020B0604020202020204" pitchFamily="34" charset="0"/>
-                <a:cs typeface="Helvetica" panose="020B0604020202020204" pitchFamily="34" charset="0"/>
-              </a:rPr>
-              <a:t>Release_season</a:t>
-            </a:r>
-            <a:r>
-              <a:rPr lang="en-US" sz="2000" b="0" dirty="0">
-                <a:effectLst/>
-                <a:latin typeface="Helvetica" panose="020B0604020202020204" pitchFamily="34" charset="0"/>
-                <a:cs typeface="Helvetica" panose="020B0604020202020204" pitchFamily="34" charset="0"/>
-              </a:rPr>
-              <a:t> were transformed from a column to a list to facilitate binary classification through one-hot encoding </a:t>
+              <a:t> and additional data cleaning is also needed.</a:t>
             </a:r>
             <a:endParaRPr lang="en-US" sz="2000" b="0" dirty="0">
               <a:effectLst/>
@@ -8274,275 +7936,34 @@
       </p:sp>
       <p:pic>
         <p:nvPicPr>
-          <p:cNvPr id="6" name="Picture 5"/>
+          <p:cNvPr id="6" name="Picture 5" descr="Owl standing on top of a numbered stepped wall"/>
           <p:cNvPicPr>
             <a:picLocks noChangeAspect="1"/>
           </p:cNvPicPr>
           <p:nvPr/>
         </p:nvPicPr>
         <p:blipFill>
-          <a:blip r:embed="rId1"/>
+          <a:blip r:embed="rId1">
+            <a:extLst>
+              <a:ext uri="{28A0092B-C50C-407E-A947-70E740481C1C}">
+                <a14:useLocalDpi xmlns:a14="http://schemas.microsoft.com/office/drawing/2010/main" val="0"/>
+              </a:ext>
+            </a:extLst>
+          </a:blip>
           <a:stretch>
             <a:fillRect/>
           </a:stretch>
         </p:blipFill>
         <p:spPr>
           <a:xfrm>
-            <a:off x="8365949" y="2299409"/>
-            <a:ext cx="2958797" cy="4360333"/>
+            <a:off x="6530111" y="2664024"/>
+            <a:ext cx="4976090" cy="3316418"/>
           </a:xfrm>
           <a:prstGeom prst="rect">
             <a:avLst/>
           </a:prstGeom>
         </p:spPr>
       </p:pic>
-      <p:sp>
-        <p:nvSpPr>
-          <p:cNvPr id="8" name="Content Placeholder 2"/>
-          <p:cNvSpPr txBox="1"/>
-          <p:nvPr/>
-        </p:nvSpPr>
-        <p:spPr>
-          <a:xfrm>
-            <a:off x="8969381" y="1619677"/>
-            <a:ext cx="2058837" cy="744387"/>
-          </a:xfrm>
-          <a:prstGeom prst="rect">
-            <a:avLst/>
-          </a:prstGeom>
-        </p:spPr>
-        <p:txBody>
-          <a:bodyPr vert="horz" lIns="91440" tIns="45720" rIns="91440" bIns="45720" rtlCol="0" anchor="ctr">
-            <a:normAutofit/>
-          </a:bodyPr>
-          <a:lstStyle>
-            <a:lvl1pPr marL="285750" indent="-285750" algn="l" defTabSz="457200" rtl="0" eaLnBrk="1" latinLnBrk="0" hangingPunct="1">
-              <a:spcBef>
-                <a:spcPts val="0"/>
-              </a:spcBef>
-              <a:spcAft>
-                <a:spcPts val="1000"/>
-              </a:spcAft>
-              <a:buClr>
-                <a:schemeClr val="tx1"/>
-              </a:buClr>
-              <a:buSzPct val="100000"/>
-              <a:buFont typeface="Arial" panose="020B0604020202020204"/>
-              <a:buChar char="•"/>
-              <a:defRPr sz="1800" kern="1200" cap="none">
-                <a:solidFill>
-                  <a:schemeClr val="tx1"/>
-                </a:solidFill>
-                <a:effectLst/>
-                <a:latin typeface="+mn-lt"/>
-                <a:ea typeface="+mn-ea"/>
-                <a:cs typeface="+mn-cs"/>
-              </a:defRPr>
-            </a:lvl1pPr>
-            <a:lvl2pPr marL="742950" indent="-285750" algn="l" defTabSz="457200" rtl="0" eaLnBrk="1" latinLnBrk="0" hangingPunct="1">
-              <a:spcBef>
-                <a:spcPts val="0"/>
-              </a:spcBef>
-              <a:spcAft>
-                <a:spcPts val="1000"/>
-              </a:spcAft>
-              <a:buClr>
-                <a:schemeClr val="tx1"/>
-              </a:buClr>
-              <a:buSzPct val="100000"/>
-              <a:buFont typeface="Arial" panose="020B0604020202020204"/>
-              <a:buChar char="•"/>
-              <a:defRPr sz="1600" kern="1200" cap="none">
-                <a:solidFill>
-                  <a:schemeClr val="tx1"/>
-                </a:solidFill>
-                <a:effectLst/>
-                <a:latin typeface="+mn-lt"/>
-                <a:ea typeface="+mn-ea"/>
-                <a:cs typeface="+mn-cs"/>
-              </a:defRPr>
-            </a:lvl2pPr>
-            <a:lvl3pPr marL="1200150" indent="-285750" algn="l" defTabSz="457200" rtl="0" eaLnBrk="1" latinLnBrk="0" hangingPunct="1">
-              <a:spcBef>
-                <a:spcPts val="0"/>
-              </a:spcBef>
-              <a:spcAft>
-                <a:spcPts val="1000"/>
-              </a:spcAft>
-              <a:buClr>
-                <a:schemeClr val="tx1"/>
-              </a:buClr>
-              <a:buSzPct val="100000"/>
-              <a:buFont typeface="Arial" panose="020B0604020202020204"/>
-              <a:buChar char="•"/>
-              <a:defRPr sz="1400" kern="1200" cap="none">
-                <a:solidFill>
-                  <a:schemeClr val="tx1"/>
-                </a:solidFill>
-                <a:effectLst/>
-                <a:latin typeface="+mn-lt"/>
-                <a:ea typeface="+mn-ea"/>
-                <a:cs typeface="+mn-cs"/>
-              </a:defRPr>
-            </a:lvl3pPr>
-            <a:lvl4pPr marL="1543050" indent="-171450" algn="l" defTabSz="457200" rtl="0" eaLnBrk="1" latinLnBrk="0" hangingPunct="1">
-              <a:spcBef>
-                <a:spcPts val="0"/>
-              </a:spcBef>
-              <a:spcAft>
-                <a:spcPts val="1000"/>
-              </a:spcAft>
-              <a:buClr>
-                <a:schemeClr val="tx1"/>
-              </a:buClr>
-              <a:buSzPct val="100000"/>
-              <a:buFont typeface="Arial" panose="020B0604020202020204"/>
-              <a:buChar char="•"/>
-              <a:defRPr sz="1200" kern="1200" cap="none">
-                <a:solidFill>
-                  <a:schemeClr val="tx1"/>
-                </a:solidFill>
-                <a:effectLst/>
-                <a:latin typeface="+mn-lt"/>
-                <a:ea typeface="+mn-ea"/>
-                <a:cs typeface="+mn-cs"/>
-              </a:defRPr>
-            </a:lvl4pPr>
-            <a:lvl5pPr marL="2000250" indent="-171450" algn="l" defTabSz="457200" rtl="0" eaLnBrk="1" latinLnBrk="0" hangingPunct="1">
-              <a:spcBef>
-                <a:spcPts val="0"/>
-              </a:spcBef>
-              <a:spcAft>
-                <a:spcPts val="1000"/>
-              </a:spcAft>
-              <a:buClr>
-                <a:schemeClr val="tx1"/>
-              </a:buClr>
-              <a:buSzPct val="100000"/>
-              <a:buFont typeface="Arial" panose="020B0604020202020204"/>
-              <a:buChar char="•"/>
-              <a:defRPr sz="1200" kern="1200" cap="none">
-                <a:solidFill>
-                  <a:schemeClr val="tx1"/>
-                </a:solidFill>
-                <a:effectLst/>
-                <a:latin typeface="+mn-lt"/>
-                <a:ea typeface="+mn-ea"/>
-                <a:cs typeface="+mn-cs"/>
-              </a:defRPr>
-            </a:lvl5pPr>
-            <a:lvl6pPr marL="2514600" indent="-228600" algn="l" defTabSz="457200" rtl="0" eaLnBrk="1" latinLnBrk="0" hangingPunct="1">
-              <a:spcBef>
-                <a:spcPts val="0"/>
-              </a:spcBef>
-              <a:spcAft>
-                <a:spcPts val="1000"/>
-              </a:spcAft>
-              <a:buClr>
-                <a:schemeClr val="tx1"/>
-              </a:buClr>
-              <a:buSzPct val="100000"/>
-              <a:buFont typeface="Arial" panose="020B0604020202020204"/>
-              <a:buChar char="•"/>
-              <a:defRPr sz="1200" kern="1200" cap="none">
-                <a:solidFill>
-                  <a:schemeClr val="tx1"/>
-                </a:solidFill>
-                <a:effectLst/>
-                <a:latin typeface="+mn-lt"/>
-                <a:ea typeface="+mn-ea"/>
-                <a:cs typeface="+mn-cs"/>
-              </a:defRPr>
-            </a:lvl6pPr>
-            <a:lvl7pPr marL="2971800" indent="-228600" algn="l" defTabSz="457200" rtl="0" eaLnBrk="1" latinLnBrk="0" hangingPunct="1">
-              <a:spcBef>
-                <a:spcPts val="0"/>
-              </a:spcBef>
-              <a:spcAft>
-                <a:spcPts val="1000"/>
-              </a:spcAft>
-              <a:buClr>
-                <a:schemeClr val="tx1"/>
-              </a:buClr>
-              <a:buSzPct val="100000"/>
-              <a:buFont typeface="Arial" panose="020B0604020202020204"/>
-              <a:buChar char="•"/>
-              <a:defRPr sz="1200" kern="1200" cap="none">
-                <a:solidFill>
-                  <a:schemeClr val="tx1"/>
-                </a:solidFill>
-                <a:effectLst/>
-                <a:latin typeface="+mn-lt"/>
-                <a:ea typeface="+mn-ea"/>
-                <a:cs typeface="+mn-cs"/>
-              </a:defRPr>
-            </a:lvl7pPr>
-            <a:lvl8pPr marL="3429000" indent="-228600" algn="l" defTabSz="457200" rtl="0" eaLnBrk="1" latinLnBrk="0" hangingPunct="1">
-              <a:spcBef>
-                <a:spcPts val="0"/>
-              </a:spcBef>
-              <a:spcAft>
-                <a:spcPts val="1000"/>
-              </a:spcAft>
-              <a:buClr>
-                <a:schemeClr val="tx1"/>
-              </a:buClr>
-              <a:buSzPct val="100000"/>
-              <a:buFont typeface="Arial" panose="020B0604020202020204"/>
-              <a:buChar char="•"/>
-              <a:defRPr sz="1200" kern="1200" cap="none">
-                <a:solidFill>
-                  <a:schemeClr val="tx1"/>
-                </a:solidFill>
-                <a:effectLst/>
-                <a:latin typeface="+mn-lt"/>
-                <a:ea typeface="+mn-ea"/>
-                <a:cs typeface="+mn-cs"/>
-              </a:defRPr>
-            </a:lvl8pPr>
-            <a:lvl9pPr marL="3886200" indent="-228600" algn="l" defTabSz="457200" rtl="0" eaLnBrk="1" latinLnBrk="0" hangingPunct="1">
-              <a:spcBef>
-                <a:spcPts val="0"/>
-              </a:spcBef>
-              <a:spcAft>
-                <a:spcPts val="1000"/>
-              </a:spcAft>
-              <a:buClr>
-                <a:schemeClr val="tx1"/>
-              </a:buClr>
-              <a:buSzPct val="100000"/>
-              <a:buFont typeface="Arial" panose="020B0604020202020204"/>
-              <a:buChar char="•"/>
-              <a:defRPr sz="1200" kern="1200" cap="none">
-                <a:solidFill>
-                  <a:schemeClr val="tx1"/>
-                </a:solidFill>
-                <a:effectLst/>
-                <a:latin typeface="+mn-lt"/>
-                <a:ea typeface="+mn-ea"/>
-                <a:cs typeface="+mn-cs"/>
-              </a:defRPr>
-            </a:lvl9pPr>
-          </a:lstStyle>
-          <a:p>
-            <a:pPr marL="0" indent="0">
-              <a:buFont typeface="Arial" panose="020B0604020202020204"/>
-              <a:buNone/>
-            </a:pPr>
-            <a:r>
-              <a:rPr lang="en-US" sz="2000" u="sng" dirty="0">
-                <a:latin typeface="Helvetica" panose="020B0604020202020204" pitchFamily="34" charset="0"/>
-                <a:cs typeface="Helvetica" panose="020B0604020202020204" pitchFamily="34" charset="0"/>
-              </a:rPr>
-              <a:t>List of Tags</a:t>
-            </a:r>
-            <a:endParaRPr lang="en-US" sz="2000" u="sng" dirty="0">
-              <a:latin typeface="Helvetica" panose="020B0604020202020204" pitchFamily="34" charset="0"/>
-              <a:cs typeface="Helvetica" panose="020B0604020202020204" pitchFamily="34" charset="0"/>
-            </a:endParaRPr>
-          </a:p>
-        </p:txBody>
-      </p:sp>
     </p:spTree>
   </p:cSld>
   <p:clrMapOvr>
@@ -8602,7 +8023,7 @@
                 <a:ea typeface="DengXian" panose="02010600030101010101" pitchFamily="2" charset="-122"/>
                 <a:cs typeface="Helvetica" panose="020B0604020202020204" pitchFamily="34" charset="0"/>
               </a:rPr>
-              <a:t>Model</a:t>
+              <a:t>Filling missing values</a:t>
             </a:r>
             <a:endParaRPr lang="en-US" sz="5400" b="1" kern="100" dirty="0">
               <a:effectLst/>
@@ -8625,8 +8046,8 @@
         </p:nvSpPr>
         <p:spPr>
           <a:xfrm>
-            <a:off x="1002100" y="1972298"/>
-            <a:ext cx="9933315" cy="4716341"/>
+            <a:off x="685802" y="2142067"/>
+            <a:ext cx="4976089" cy="4360333"/>
           </a:xfrm>
         </p:spPr>
         <p:txBody>
@@ -8641,7 +8062,54 @@
                 <a:latin typeface="Helvetica" panose="020B0604020202020204" pitchFamily="34" charset="0"/>
                 <a:cs typeface="Helvetica" panose="020B0604020202020204" pitchFamily="34" charset="0"/>
               </a:rPr>
-              <a:t>We initially created a </a:t>
+              <a:t>Missing episode values were filled using the median, a</a:t>
+            </a:r>
+            <a:r>
+              <a:rPr lang="en-US" sz="2000" dirty="0">
+                <a:latin typeface="Helvetica" panose="020B0604020202020204" pitchFamily="34" charset="0"/>
+                <a:cs typeface="Helvetica" panose="020B0604020202020204" pitchFamily="34" charset="0"/>
+              </a:rPr>
+              <a:t>s anime seasons typically have 12 episodes</a:t>
+            </a:r>
+            <a:endParaRPr lang="en-US" sz="2000" dirty="0">
+              <a:latin typeface="Helvetica" panose="020B0604020202020204" pitchFamily="34" charset="0"/>
+              <a:cs typeface="Helvetica" panose="020B0604020202020204" pitchFamily="34" charset="0"/>
+            </a:endParaRPr>
+          </a:p>
+          <a:p>
+            <a:r>
+              <a:rPr lang="en-US" sz="2000" dirty="0">
+                <a:latin typeface="Helvetica" panose="020B0604020202020204" pitchFamily="34" charset="0"/>
+                <a:cs typeface="Helvetica" panose="020B0604020202020204" pitchFamily="34" charset="0"/>
+              </a:rPr>
+              <a:t>Missing release years were also filled using the median</a:t>
+            </a:r>
+            <a:endParaRPr lang="en-US" sz="2000" dirty="0">
+              <a:latin typeface="Helvetica" panose="020B0604020202020204" pitchFamily="34" charset="0"/>
+              <a:cs typeface="Helvetica" panose="020B0604020202020204" pitchFamily="34" charset="0"/>
+            </a:endParaRPr>
+          </a:p>
+          <a:p>
+            <a:r>
+              <a:rPr lang="en-US" sz="2000" dirty="0">
+                <a:latin typeface="Helvetica" panose="020B0604020202020204" pitchFamily="34" charset="0"/>
+                <a:cs typeface="Helvetica" panose="020B0604020202020204" pitchFamily="34" charset="0"/>
+              </a:rPr>
+              <a:t>Missing studio values were filled by randomly selecting a studio</a:t>
+            </a:r>
+            <a:endParaRPr lang="en-US" sz="2000" dirty="0">
+              <a:latin typeface="Helvetica" panose="020B0604020202020204" pitchFamily="34" charset="0"/>
+              <a:cs typeface="Helvetica" panose="020B0604020202020204" pitchFamily="34" charset="0"/>
+            </a:endParaRPr>
+          </a:p>
+          <a:p>
+            <a:r>
+              <a:rPr lang="en-US" sz="2000" b="0" dirty="0">
+                <a:effectLst/>
+                <a:latin typeface="Helvetica" panose="020B0604020202020204" pitchFamily="34" charset="0"/>
+                <a:cs typeface="Helvetica" panose="020B0604020202020204" pitchFamily="34" charset="0"/>
+              </a:rPr>
+              <a:t>The Tags, Studio, Type, </a:t>
             </a:r>
             <a:r>
               <a:rPr lang="en-US" sz="2000" b="0" dirty="0" err="1">
@@ -8649,7 +8117,7 @@
                 <a:latin typeface="Helvetica" panose="020B0604020202020204" pitchFamily="34" charset="0"/>
                 <a:cs typeface="Helvetica" panose="020B0604020202020204" pitchFamily="34" charset="0"/>
               </a:rPr>
-              <a:t>DataFrame</a:t>
+              <a:t>Release_season</a:t>
             </a:r>
             <a:r>
               <a:rPr lang="en-US" sz="2000" b="0" dirty="0">
@@ -8657,7 +8125,7 @@
                 <a:latin typeface="Helvetica" panose="020B0604020202020204" pitchFamily="34" charset="0"/>
                 <a:cs typeface="Helvetica" panose="020B0604020202020204" pitchFamily="34" charset="0"/>
               </a:rPr>
-              <a:t> comprised of rows with unavailable ratings. This dataset will be utilized in the final stage to predict the ratings for these anime entries.</a:t>
+              <a:t> were transformed from a column to a list to facilitate binary classification through one-hot encoding </a:t>
             </a:r>
             <a:endParaRPr lang="en-US" sz="2000" b="0" dirty="0">
               <a:effectLst/>
@@ -8665,151 +8133,276 @@
               <a:cs typeface="Helvetica" panose="020B0604020202020204" pitchFamily="34" charset="0"/>
             </a:endParaRPr>
           </a:p>
-          <a:p>
-            <a:r>
-              <a:rPr lang="en-US" sz="2000" b="0" dirty="0">
+        </p:txBody>
+      </p:sp>
+      <p:pic>
+        <p:nvPicPr>
+          <p:cNvPr id="6" name="Picture 5"/>
+          <p:cNvPicPr>
+            <a:picLocks noChangeAspect="1"/>
+          </p:cNvPicPr>
+          <p:nvPr/>
+        </p:nvPicPr>
+        <p:blipFill>
+          <a:blip r:embed="rId1"/>
+          <a:stretch>
+            <a:fillRect/>
+          </a:stretch>
+        </p:blipFill>
+        <p:spPr>
+          <a:xfrm>
+            <a:off x="8365949" y="2299409"/>
+            <a:ext cx="2958797" cy="4360333"/>
+          </a:xfrm>
+          <a:prstGeom prst="rect">
+            <a:avLst/>
+          </a:prstGeom>
+        </p:spPr>
+      </p:pic>
+      <p:sp>
+        <p:nvSpPr>
+          <p:cNvPr id="8" name="Content Placeholder 2"/>
+          <p:cNvSpPr txBox="1"/>
+          <p:nvPr/>
+        </p:nvSpPr>
+        <p:spPr>
+          <a:xfrm>
+            <a:off x="8969381" y="1619677"/>
+            <a:ext cx="2058837" cy="744387"/>
+          </a:xfrm>
+          <a:prstGeom prst="rect">
+            <a:avLst/>
+          </a:prstGeom>
+        </p:spPr>
+        <p:txBody>
+          <a:bodyPr vert="horz" lIns="91440" tIns="45720" rIns="91440" bIns="45720" rtlCol="0" anchor="ctr">
+            <a:normAutofit/>
+          </a:bodyPr>
+          <a:lstStyle>
+            <a:lvl1pPr marL="285750" indent="-285750" algn="l" defTabSz="457200" rtl="0" eaLnBrk="1" latinLnBrk="0" hangingPunct="1">
+              <a:spcBef>
+                <a:spcPts val="0"/>
+              </a:spcBef>
+              <a:spcAft>
+                <a:spcPts val="1000"/>
+              </a:spcAft>
+              <a:buClr>
+                <a:schemeClr val="tx1"/>
+              </a:buClr>
+              <a:buSzPct val="100000"/>
+              <a:buFont typeface="Arial" panose="020B0604020202020204"/>
+              <a:buChar char="•"/>
+              <a:defRPr sz="1800" kern="1200" cap="none">
+                <a:solidFill>
+                  <a:schemeClr val="tx1"/>
+                </a:solidFill>
                 <a:effectLst/>
-                <a:latin typeface="Helvetica" panose="020B0604020202020204" pitchFamily="34" charset="0"/>
-                <a:cs typeface="Helvetica" panose="020B0604020202020204" pitchFamily="34" charset="0"/>
-              </a:rPr>
-              <a:t>Next we split our data for training and testing.</a:t>
-            </a:r>
-            <a:endParaRPr lang="en-US" sz="2000" b="0" dirty="0">
-              <a:effectLst/>
+                <a:latin typeface="+mn-lt"/>
+                <a:ea typeface="+mn-ea"/>
+                <a:cs typeface="+mn-cs"/>
+              </a:defRPr>
+            </a:lvl1pPr>
+            <a:lvl2pPr marL="742950" indent="-285750" algn="l" defTabSz="457200" rtl="0" eaLnBrk="1" latinLnBrk="0" hangingPunct="1">
+              <a:spcBef>
+                <a:spcPts val="0"/>
+              </a:spcBef>
+              <a:spcAft>
+                <a:spcPts val="1000"/>
+              </a:spcAft>
+              <a:buClr>
+                <a:schemeClr val="tx1"/>
+              </a:buClr>
+              <a:buSzPct val="100000"/>
+              <a:buFont typeface="Arial" panose="020B0604020202020204"/>
+              <a:buChar char="•"/>
+              <a:defRPr sz="1600" kern="1200" cap="none">
+                <a:solidFill>
+                  <a:schemeClr val="tx1"/>
+                </a:solidFill>
+                <a:effectLst/>
+                <a:latin typeface="+mn-lt"/>
+                <a:ea typeface="+mn-ea"/>
+                <a:cs typeface="+mn-cs"/>
+              </a:defRPr>
+            </a:lvl2pPr>
+            <a:lvl3pPr marL="1200150" indent="-285750" algn="l" defTabSz="457200" rtl="0" eaLnBrk="1" latinLnBrk="0" hangingPunct="1">
+              <a:spcBef>
+                <a:spcPts val="0"/>
+              </a:spcBef>
+              <a:spcAft>
+                <a:spcPts val="1000"/>
+              </a:spcAft>
+              <a:buClr>
+                <a:schemeClr val="tx1"/>
+              </a:buClr>
+              <a:buSzPct val="100000"/>
+              <a:buFont typeface="Arial" panose="020B0604020202020204"/>
+              <a:buChar char="•"/>
+              <a:defRPr sz="1400" kern="1200" cap="none">
+                <a:solidFill>
+                  <a:schemeClr val="tx1"/>
+                </a:solidFill>
+                <a:effectLst/>
+                <a:latin typeface="+mn-lt"/>
+                <a:ea typeface="+mn-ea"/>
+                <a:cs typeface="+mn-cs"/>
+              </a:defRPr>
+            </a:lvl3pPr>
+            <a:lvl4pPr marL="1543050" indent="-171450" algn="l" defTabSz="457200" rtl="0" eaLnBrk="1" latinLnBrk="0" hangingPunct="1">
+              <a:spcBef>
+                <a:spcPts val="0"/>
+              </a:spcBef>
+              <a:spcAft>
+                <a:spcPts val="1000"/>
+              </a:spcAft>
+              <a:buClr>
+                <a:schemeClr val="tx1"/>
+              </a:buClr>
+              <a:buSzPct val="100000"/>
+              <a:buFont typeface="Arial" panose="020B0604020202020204"/>
+              <a:buChar char="•"/>
+              <a:defRPr sz="1200" kern="1200" cap="none">
+                <a:solidFill>
+                  <a:schemeClr val="tx1"/>
+                </a:solidFill>
+                <a:effectLst/>
+                <a:latin typeface="+mn-lt"/>
+                <a:ea typeface="+mn-ea"/>
+                <a:cs typeface="+mn-cs"/>
+              </a:defRPr>
+            </a:lvl4pPr>
+            <a:lvl5pPr marL="2000250" indent="-171450" algn="l" defTabSz="457200" rtl="0" eaLnBrk="1" latinLnBrk="0" hangingPunct="1">
+              <a:spcBef>
+                <a:spcPts val="0"/>
+              </a:spcBef>
+              <a:spcAft>
+                <a:spcPts val="1000"/>
+              </a:spcAft>
+              <a:buClr>
+                <a:schemeClr val="tx1"/>
+              </a:buClr>
+              <a:buSzPct val="100000"/>
+              <a:buFont typeface="Arial" panose="020B0604020202020204"/>
+              <a:buChar char="•"/>
+              <a:defRPr sz="1200" kern="1200" cap="none">
+                <a:solidFill>
+                  <a:schemeClr val="tx1"/>
+                </a:solidFill>
+                <a:effectLst/>
+                <a:latin typeface="+mn-lt"/>
+                <a:ea typeface="+mn-ea"/>
+                <a:cs typeface="+mn-cs"/>
+              </a:defRPr>
+            </a:lvl5pPr>
+            <a:lvl6pPr marL="2514600" indent="-228600" algn="l" defTabSz="457200" rtl="0" eaLnBrk="1" latinLnBrk="0" hangingPunct="1">
+              <a:spcBef>
+                <a:spcPts val="0"/>
+              </a:spcBef>
+              <a:spcAft>
+                <a:spcPts val="1000"/>
+              </a:spcAft>
+              <a:buClr>
+                <a:schemeClr val="tx1"/>
+              </a:buClr>
+              <a:buSzPct val="100000"/>
+              <a:buFont typeface="Arial" panose="020B0604020202020204"/>
+              <a:buChar char="•"/>
+              <a:defRPr sz="1200" kern="1200" cap="none">
+                <a:solidFill>
+                  <a:schemeClr val="tx1"/>
+                </a:solidFill>
+                <a:effectLst/>
+                <a:latin typeface="+mn-lt"/>
+                <a:ea typeface="+mn-ea"/>
+                <a:cs typeface="+mn-cs"/>
+              </a:defRPr>
+            </a:lvl6pPr>
+            <a:lvl7pPr marL="2971800" indent="-228600" algn="l" defTabSz="457200" rtl="0" eaLnBrk="1" latinLnBrk="0" hangingPunct="1">
+              <a:spcBef>
+                <a:spcPts val="0"/>
+              </a:spcBef>
+              <a:spcAft>
+                <a:spcPts val="1000"/>
+              </a:spcAft>
+              <a:buClr>
+                <a:schemeClr val="tx1"/>
+              </a:buClr>
+              <a:buSzPct val="100000"/>
+              <a:buFont typeface="Arial" panose="020B0604020202020204"/>
+              <a:buChar char="•"/>
+              <a:defRPr sz="1200" kern="1200" cap="none">
+                <a:solidFill>
+                  <a:schemeClr val="tx1"/>
+                </a:solidFill>
+                <a:effectLst/>
+                <a:latin typeface="+mn-lt"/>
+                <a:ea typeface="+mn-ea"/>
+                <a:cs typeface="+mn-cs"/>
+              </a:defRPr>
+            </a:lvl7pPr>
+            <a:lvl8pPr marL="3429000" indent="-228600" algn="l" defTabSz="457200" rtl="0" eaLnBrk="1" latinLnBrk="0" hangingPunct="1">
+              <a:spcBef>
+                <a:spcPts val="0"/>
+              </a:spcBef>
+              <a:spcAft>
+                <a:spcPts val="1000"/>
+              </a:spcAft>
+              <a:buClr>
+                <a:schemeClr val="tx1"/>
+              </a:buClr>
+              <a:buSzPct val="100000"/>
+              <a:buFont typeface="Arial" panose="020B0604020202020204"/>
+              <a:buChar char="•"/>
+              <a:defRPr sz="1200" kern="1200" cap="none">
+                <a:solidFill>
+                  <a:schemeClr val="tx1"/>
+                </a:solidFill>
+                <a:effectLst/>
+                <a:latin typeface="+mn-lt"/>
+                <a:ea typeface="+mn-ea"/>
+                <a:cs typeface="+mn-cs"/>
+              </a:defRPr>
+            </a:lvl8pPr>
+            <a:lvl9pPr marL="3886200" indent="-228600" algn="l" defTabSz="457200" rtl="0" eaLnBrk="1" latinLnBrk="0" hangingPunct="1">
+              <a:spcBef>
+                <a:spcPts val="0"/>
+              </a:spcBef>
+              <a:spcAft>
+                <a:spcPts val="1000"/>
+              </a:spcAft>
+              <a:buClr>
+                <a:schemeClr val="tx1"/>
+              </a:buClr>
+              <a:buSzPct val="100000"/>
+              <a:buFont typeface="Arial" panose="020B0604020202020204"/>
+              <a:buChar char="•"/>
+              <a:defRPr sz="1200" kern="1200" cap="none">
+                <a:solidFill>
+                  <a:schemeClr val="tx1"/>
+                </a:solidFill>
+                <a:effectLst/>
+                <a:latin typeface="+mn-lt"/>
+                <a:ea typeface="+mn-ea"/>
+                <a:cs typeface="+mn-cs"/>
+              </a:defRPr>
+            </a:lvl9pPr>
+          </a:lstStyle>
+          <a:p>
+            <a:pPr marL="0" indent="0">
+              <a:buFont typeface="Arial" panose="020B0604020202020204"/>
+              <a:buNone/>
+            </a:pPr>
+            <a:r>
+              <a:rPr lang="en-US" sz="2000" u="sng" dirty="0">
+                <a:latin typeface="Helvetica" panose="020B0604020202020204" pitchFamily="34" charset="0"/>
+                <a:cs typeface="Helvetica" panose="020B0604020202020204" pitchFamily="34" charset="0"/>
+              </a:rPr>
+              <a:t>List of Tags</a:t>
+            </a:r>
+            <a:endParaRPr lang="en-US" sz="2000" u="sng" dirty="0">
               <a:latin typeface="Helvetica" panose="020B0604020202020204" pitchFamily="34" charset="0"/>
               <a:cs typeface="Helvetica" panose="020B0604020202020204" pitchFamily="34" charset="0"/>
             </a:endParaRPr>
-          </a:p>
-          <a:p>
-            <a:pPr lvl="1"/>
-            <a:r>
-              <a:rPr lang="en-US" sz="1800" b="0" dirty="0">
-                <a:effectLst/>
-                <a:latin typeface="Helvetica" panose="020B0604020202020204" pitchFamily="34" charset="0"/>
-                <a:cs typeface="Helvetica" panose="020B0604020202020204" pitchFamily="34" charset="0"/>
-              </a:rPr>
-              <a:t>Ratin</a:t>
-            </a:r>
-            <a:r>
-              <a:rPr lang="en-US" sz="1800" dirty="0">
-                <a:latin typeface="Helvetica" panose="020B0604020202020204" pitchFamily="34" charset="0"/>
-                <a:cs typeface="Helvetica" panose="020B0604020202020204" pitchFamily="34" charset="0"/>
-              </a:rPr>
-              <a:t>g, Name, Tags, Index, and Rank were dropped</a:t>
-            </a:r>
-            <a:endParaRPr lang="en-US" sz="1800" dirty="0">
-              <a:latin typeface="Helvetica" panose="020B0604020202020204" pitchFamily="34" charset="0"/>
-              <a:cs typeface="Helvetica" panose="020B0604020202020204" pitchFamily="34" charset="0"/>
-            </a:endParaRPr>
-          </a:p>
-          <a:p>
-            <a:r>
-              <a:rPr lang="en-US" sz="2000" dirty="0">
-                <a:latin typeface="Helvetica" panose="020B0604020202020204" pitchFamily="34" charset="0"/>
-                <a:cs typeface="Helvetica" panose="020B0604020202020204" pitchFamily="34" charset="0"/>
-              </a:rPr>
-              <a:t>The results of the model are:</a:t>
-            </a:r>
-            <a:endParaRPr lang="en-US" sz="2000" dirty="0">
-              <a:latin typeface="Helvetica" panose="020B0604020202020204" pitchFamily="34" charset="0"/>
-              <a:cs typeface="Helvetica" panose="020B0604020202020204" pitchFamily="34" charset="0"/>
-            </a:endParaRPr>
-          </a:p>
-          <a:p>
-            <a:endParaRPr lang="en-US" sz="2000" dirty="0">
-              <a:latin typeface="Helvetica" panose="020B0604020202020204" pitchFamily="34" charset="0"/>
-              <a:cs typeface="Helvetica" panose="020B0604020202020204" pitchFamily="34" charset="0"/>
-            </a:endParaRPr>
-          </a:p>
-          <a:p>
-            <a:endParaRPr lang="en-US" sz="2000" dirty="0">
-              <a:latin typeface="Helvetica" panose="020B0604020202020204" pitchFamily="34" charset="0"/>
-              <a:cs typeface="Helvetica" panose="020B0604020202020204" pitchFamily="34" charset="0"/>
-            </a:endParaRPr>
-          </a:p>
-          <a:p>
-            <a:endParaRPr lang="en-US" sz="2000" dirty="0">
-              <a:latin typeface="Helvetica" panose="020B0604020202020204" pitchFamily="34" charset="0"/>
-              <a:cs typeface="Helvetica" panose="020B0604020202020204" pitchFamily="34" charset="0"/>
-            </a:endParaRPr>
-          </a:p>
-          <a:p>
-            <a:r>
-              <a:rPr lang="en-US" sz="2000" dirty="0">
-                <a:latin typeface="Helvetica" panose="020B0604020202020204" pitchFamily="34" charset="0"/>
-                <a:cs typeface="Helvetica" panose="020B0604020202020204" pitchFamily="34" charset="0"/>
-              </a:rPr>
-              <a:t>This model can now be used to predict ratings for anime missing a rating value or new anime that are released.</a:t>
-            </a:r>
-            <a:endParaRPr lang="en-US" sz="2000" b="0" dirty="0">
-              <a:effectLst/>
-              <a:latin typeface="Helvetica" panose="020B0604020202020204" pitchFamily="34" charset="0"/>
-              <a:cs typeface="Helvetica" panose="020B0604020202020204" pitchFamily="34" charset="0"/>
-            </a:endParaRPr>
-          </a:p>
-          <a:p>
-            <a:endParaRPr lang="en-US" sz="2000" b="0" dirty="0">
-              <a:effectLst/>
-              <a:latin typeface="Helvetica" panose="020B0604020202020204" pitchFamily="34" charset="0"/>
-              <a:cs typeface="Helvetica" panose="020B0604020202020204" pitchFamily="34" charset="0"/>
-            </a:endParaRPr>
-          </a:p>
-        </p:txBody>
-      </p:sp>
-      <p:sp>
-        <p:nvSpPr>
-          <p:cNvPr id="4" name="TextBox 3"/>
-          <p:cNvSpPr txBox="1"/>
-          <p:nvPr/>
-        </p:nvSpPr>
-        <p:spPr>
-          <a:xfrm>
-            <a:off x="3968151" y="4330469"/>
-            <a:ext cx="3794183" cy="923330"/>
-          </a:xfrm>
-          <a:prstGeom prst="rect">
-            <a:avLst/>
-          </a:prstGeom>
-          <a:noFill/>
-          <a:ln w="38100">
-            <a:solidFill>
-              <a:schemeClr val="tx1"/>
-            </a:solidFill>
-          </a:ln>
-        </p:spPr>
-        <p:txBody>
-          <a:bodyPr wrap="square" rtlCol="0">
-            <a:spAutoFit/>
-          </a:bodyPr>
-          <a:lstStyle/>
-          <a:p>
-            <a:r>
-              <a:rPr lang="en-US" dirty="0"/>
-              <a:t>Mean Absolute Error: 0.22168</a:t>
-            </a:r>
-            <a:endParaRPr lang="en-US" dirty="0"/>
-          </a:p>
-          <a:p>
-            <a:r>
-              <a:rPr lang="en-US" dirty="0"/>
-              <a:t>Mean Squared Error: 0.08718</a:t>
-            </a:r>
-            <a:endParaRPr lang="en-US" dirty="0"/>
-          </a:p>
-          <a:p>
-            <a:r>
-              <a:rPr lang="en-US" dirty="0"/>
-              <a:t>R</a:t>
-            </a:r>
-            <a:r>
-              <a:rPr lang="en-US" baseline="30000" dirty="0"/>
-              <a:t>2</a:t>
-            </a:r>
-            <a:r>
-              <a:rPr lang="en-US" dirty="0"/>
-              <a:t>: 0.16859</a:t>
-            </a:r>
-            <a:endParaRPr lang="en-US" dirty="0"/>
           </a:p>
         </p:txBody>
       </p:sp>
@@ -8872,7 +8465,7 @@
                 <a:ea typeface="DengXian" panose="02010600030101010101" pitchFamily="2" charset="-122"/>
                 <a:cs typeface="Helvetica" panose="020B0604020202020204" pitchFamily="34" charset="0"/>
               </a:rPr>
-              <a:t>Summary</a:t>
+              <a:t>Model</a:t>
             </a:r>
             <a:endParaRPr lang="en-US" sz="5400" b="1" kern="100" dirty="0">
               <a:effectLst/>
@@ -8911,7 +8504,23 @@
                 <a:latin typeface="Helvetica" panose="020B0604020202020204" pitchFamily="34" charset="0"/>
                 <a:cs typeface="Helvetica" panose="020B0604020202020204" pitchFamily="34" charset="0"/>
               </a:rPr>
-              <a:t>Anime tend to be rated between 3-4</a:t>
+              <a:t>We initially created a </a:t>
+            </a:r>
+            <a:r>
+              <a:rPr lang="en-US" sz="2000" b="0" dirty="0" err="1">
+                <a:effectLst/>
+                <a:latin typeface="Helvetica" panose="020B0604020202020204" pitchFamily="34" charset="0"/>
+                <a:cs typeface="Helvetica" panose="020B0604020202020204" pitchFamily="34" charset="0"/>
+              </a:rPr>
+              <a:t>DataFrame</a:t>
+            </a:r>
+            <a:r>
+              <a:rPr lang="en-US" sz="2000" b="0" dirty="0">
+                <a:effectLst/>
+                <a:latin typeface="Helvetica" panose="020B0604020202020204" pitchFamily="34" charset="0"/>
+                <a:cs typeface="Helvetica" panose="020B0604020202020204" pitchFamily="34" charset="0"/>
+              </a:rPr>
+              <a:t> comprised of rows with unavailable ratings. This dataset will be utilized in the final stage to predict the ratings for these anime entries.</a:t>
             </a:r>
             <a:endParaRPr lang="en-US" sz="2000" b="0" dirty="0">
               <a:effectLst/>
@@ -8921,59 +8530,12 @@
           </a:p>
           <a:p>
             <a:r>
-              <a:rPr lang="en-US" sz="2000" dirty="0">
-                <a:latin typeface="Helvetica" panose="020B0604020202020204" pitchFamily="34" charset="0"/>
-                <a:cs typeface="Helvetica" panose="020B0604020202020204" pitchFamily="34" charset="0"/>
-              </a:rPr>
-              <a:t>Most anime were released in the last 10-15 years</a:t>
-            </a:r>
-            <a:endParaRPr lang="en-US" sz="2000" dirty="0">
-              <a:latin typeface="Helvetica" panose="020B0604020202020204" pitchFamily="34" charset="0"/>
-              <a:cs typeface="Helvetica" panose="020B0604020202020204" pitchFamily="34" charset="0"/>
-            </a:endParaRPr>
-          </a:p>
-          <a:p>
-            <a:r>
-              <a:rPr lang="en-US" sz="2000" dirty="0">
-                <a:latin typeface="Helvetica" panose="020B0604020202020204" pitchFamily="34" charset="0"/>
-                <a:cs typeface="Helvetica" panose="020B0604020202020204" pitchFamily="34" charset="0"/>
-              </a:rPr>
-              <a:t>The most common type of anime are tv shows</a:t>
-            </a:r>
-            <a:endParaRPr lang="en-US" sz="2000" dirty="0">
-              <a:latin typeface="Helvetica" panose="020B0604020202020204" pitchFamily="34" charset="0"/>
-              <a:cs typeface="Helvetica" panose="020B0604020202020204" pitchFamily="34" charset="0"/>
-            </a:endParaRPr>
-          </a:p>
-          <a:p>
-            <a:r>
               <a:rPr lang="en-US" sz="2000" b="0" dirty="0">
                 <a:effectLst/>
                 <a:latin typeface="Helvetica" panose="020B0604020202020204" pitchFamily="34" charset="0"/>
                 <a:cs typeface="Helvetica" panose="020B0604020202020204" pitchFamily="34" charset="0"/>
               </a:rPr>
-              <a:t>The season the </a:t>
-            </a:r>
-            <a:r>
-              <a:rPr lang="en-US" sz="2000" dirty="0">
-                <a:latin typeface="Helvetica" panose="020B0604020202020204" pitchFamily="34" charset="0"/>
-                <a:cs typeface="Helvetica" panose="020B0604020202020204" pitchFamily="34" charset="0"/>
-              </a:rPr>
-              <a:t>anime is released during doesn’t affect the ratings significantly</a:t>
-            </a:r>
-            <a:endParaRPr lang="en-US" sz="2000" dirty="0">
-              <a:latin typeface="Helvetica" panose="020B0604020202020204" pitchFamily="34" charset="0"/>
-              <a:cs typeface="Helvetica" panose="020B0604020202020204" pitchFamily="34" charset="0"/>
-            </a:endParaRPr>
-          </a:p>
-          <a:p>
-            <a:r>
-              <a:rPr lang="en-US" sz="2000" b="0" dirty="0">
-                <a:effectLst/>
-                <a:latin typeface="Helvetica" panose="020B0604020202020204" pitchFamily="34" charset="0"/>
-                <a:cs typeface="Helvetica" panose="020B0604020202020204" pitchFamily="34" charset="0"/>
-              </a:rPr>
-              <a:t>TV shows have the highest mean ratings, followed by TV specials.</a:t>
+              <a:t>Next we split our data for training and testing.</a:t>
             </a:r>
             <a:endParaRPr lang="en-US" sz="2000" b="0" dirty="0">
               <a:effectLst/>
@@ -8982,12 +8544,65 @@
             </a:endParaRPr>
           </a:p>
           <a:p>
+            <a:pPr lvl="1"/>
+            <a:r>
+              <a:rPr lang="en-US" sz="1800" b="0" dirty="0">
+                <a:effectLst/>
+                <a:latin typeface="Helvetica" panose="020B0604020202020204" pitchFamily="34" charset="0"/>
+                <a:cs typeface="Helvetica" panose="020B0604020202020204" pitchFamily="34" charset="0"/>
+              </a:rPr>
+              <a:t>Ratin</a:t>
+            </a:r>
+            <a:r>
+              <a:rPr lang="en-US" sz="1800" dirty="0">
+                <a:latin typeface="Helvetica" panose="020B0604020202020204" pitchFamily="34" charset="0"/>
+                <a:cs typeface="Helvetica" panose="020B0604020202020204" pitchFamily="34" charset="0"/>
+              </a:rPr>
+              <a:t>g, Name, Tags, Index, and Rank were dropped</a:t>
+            </a:r>
+            <a:endParaRPr lang="en-US" sz="1800" dirty="0">
+              <a:latin typeface="Helvetica" panose="020B0604020202020204" pitchFamily="34" charset="0"/>
+              <a:cs typeface="Helvetica" panose="020B0604020202020204" pitchFamily="34" charset="0"/>
+            </a:endParaRPr>
+          </a:p>
+          <a:p>
             <a:r>
               <a:rPr lang="en-US" sz="2000" dirty="0">
                 <a:latin typeface="Helvetica" panose="020B0604020202020204" pitchFamily="34" charset="0"/>
                 <a:cs typeface="Helvetica" panose="020B0604020202020204" pitchFamily="34" charset="0"/>
               </a:rPr>
-              <a:t>The model created has a mean square error close to 0, meaning our model is performing well and can be used to predict ratings of new and unknown anime</a:t>
+              <a:t>The results of the model are:</a:t>
+            </a:r>
+            <a:endParaRPr lang="en-US" sz="2000" dirty="0">
+              <a:latin typeface="Helvetica" panose="020B0604020202020204" pitchFamily="34" charset="0"/>
+              <a:cs typeface="Helvetica" panose="020B0604020202020204" pitchFamily="34" charset="0"/>
+            </a:endParaRPr>
+          </a:p>
+          <a:p>
+            <a:endParaRPr lang="en-US" sz="2000" dirty="0">
+              <a:latin typeface="Helvetica" panose="020B0604020202020204" pitchFamily="34" charset="0"/>
+              <a:cs typeface="Helvetica" panose="020B0604020202020204" pitchFamily="34" charset="0"/>
+            </a:endParaRPr>
+          </a:p>
+          <a:p>
+            <a:endParaRPr lang="en-US" sz="2000" dirty="0">
+              <a:latin typeface="Helvetica" panose="020B0604020202020204" pitchFamily="34" charset="0"/>
+              <a:cs typeface="Helvetica" panose="020B0604020202020204" pitchFamily="34" charset="0"/>
+            </a:endParaRPr>
+          </a:p>
+          <a:p>
+            <a:endParaRPr lang="en-US" sz="2000" dirty="0">
+              <a:latin typeface="Helvetica" panose="020B0604020202020204" pitchFamily="34" charset="0"/>
+              <a:cs typeface="Helvetica" panose="020B0604020202020204" pitchFamily="34" charset="0"/>
+            </a:endParaRPr>
+          </a:p>
+          <a:p>
+            <a:r>
+              <a:rPr lang="en-US" sz="2000" dirty="0">
+                <a:latin typeface="Helvetica" panose="020B0604020202020204" pitchFamily="34" charset="0"/>
+                <a:cs typeface="Helvetica" panose="020B0604020202020204" pitchFamily="34" charset="0"/>
+              </a:rPr>
+              <a:t>This model can now be used to predict ratings for anime missing a rating value or new anime that are released.</a:t>
             </a:r>
             <a:endParaRPr lang="en-US" sz="2000" b="0" dirty="0">
               <a:effectLst/>
@@ -9002,12 +8617,62 @@
               <a:cs typeface="Helvetica" panose="020B0604020202020204" pitchFamily="34" charset="0"/>
             </a:endParaRPr>
           </a:p>
-          <a:p>
-            <a:endParaRPr lang="en-US" sz="2000" b="0" dirty="0">
-              <a:effectLst/>
-              <a:latin typeface="Helvetica" panose="020B0604020202020204" pitchFamily="34" charset="0"/>
-              <a:cs typeface="Helvetica" panose="020B0604020202020204" pitchFamily="34" charset="0"/>
-            </a:endParaRPr>
+        </p:txBody>
+      </p:sp>
+      <p:sp>
+        <p:nvSpPr>
+          <p:cNvPr id="4" name="TextBox 3"/>
+          <p:cNvSpPr txBox="1"/>
+          <p:nvPr/>
+        </p:nvSpPr>
+        <p:spPr>
+          <a:xfrm>
+            <a:off x="3968151" y="4330469"/>
+            <a:ext cx="3794183" cy="923330"/>
+          </a:xfrm>
+          <a:prstGeom prst="rect">
+            <a:avLst/>
+          </a:prstGeom>
+          <a:noFill/>
+          <a:ln w="38100">
+            <a:solidFill>
+              <a:schemeClr val="tx1"/>
+            </a:solidFill>
+          </a:ln>
+        </p:spPr>
+        <p:txBody>
+          <a:bodyPr wrap="square" rtlCol="0">
+            <a:spAutoFit/>
+          </a:bodyPr>
+          <a:lstStyle/>
+          <a:p>
+            <a:r>
+              <a:rPr lang="en-US" dirty="0"/>
+              <a:t>Mean Absolute Error: 0.22168</a:t>
+            </a:r>
+            <a:endParaRPr lang="en-US" dirty="0"/>
+          </a:p>
+          <a:p>
+            <a:r>
+              <a:rPr lang="en-US" dirty="0"/>
+              <a:t>Mean Squared Error: 0.08718</a:t>
+            </a:r>
+            <a:endParaRPr lang="en-US" dirty="0"/>
+          </a:p>
+          <a:p>
+            <a:r>
+              <a:rPr lang="en-US" dirty="0"/>
+              <a:t>R</a:t>
+            </a:r>
+            <a:r>
+              <a:rPr lang="en-US" baseline="30000" dirty="0"/>
+              <a:t>2</a:t>
+            </a:r>
+            <a:r>
+              <a:rPr lang="en-US" dirty="0"/>
+              <a:t>: 0.16859</a:t>
+            </a:r>
+            <a:endParaRPr lang="en-US" dirty="0"/>
           </a:p>
         </p:txBody>
       </p:sp>
@@ -9070,7 +8735,7 @@
                 <a:ea typeface="DengXian" panose="02010600030101010101" pitchFamily="2" charset="-122"/>
                 <a:cs typeface="Helvetica" panose="020B0604020202020204" pitchFamily="34" charset="0"/>
               </a:rPr>
-              <a:t>Conclusion</a:t>
+              <a:t>Summary</a:t>
             </a:r>
             <a:endParaRPr lang="en-US" sz="5400" b="1" kern="100" dirty="0">
               <a:effectLst/>
@@ -9103,25 +8768,92 @@
           </a:bodyPr>
           <a:lstStyle/>
           <a:p>
-            <a:pPr marL="0" indent="0">
-              <a:buNone/>
-            </a:pPr>
-            <a:r>
-              <a:rPr lang="en-US" sz="2000" b="0" i="0" dirty="0">
+            <a:r>
+              <a:rPr lang="en-US" sz="2000" b="0" dirty="0">
                 <a:effectLst/>
                 <a:latin typeface="Helvetica" panose="020B0604020202020204" pitchFamily="34" charset="0"/>
                 <a:cs typeface="Helvetica" panose="020B0604020202020204" pitchFamily="34" charset="0"/>
               </a:rPr>
-              <a:t>The analysis that we have done is to help navigate someone who is new to anime and help them in being able to make a recommendation to get them started with what to watch. This could entail making a recommendation system based on the user ratings. </a:t>
-            </a:r>
+              <a:t>Anime tend to be rated between 3-4</a:t>
+            </a:r>
+            <a:endParaRPr lang="en-US" sz="2000" b="0" dirty="0">
+              <a:effectLst/>
+              <a:latin typeface="Helvetica" panose="020B0604020202020204" pitchFamily="34" charset="0"/>
+              <a:cs typeface="Helvetica" panose="020B0604020202020204" pitchFamily="34" charset="0"/>
+            </a:endParaRPr>
+          </a:p>
+          <a:p>
             <a:r>
               <a:rPr lang="en-US" sz="2000" dirty="0">
                 <a:latin typeface="Helvetica" panose="020B0604020202020204" pitchFamily="34" charset="0"/>
                 <a:cs typeface="Helvetica" panose="020B0604020202020204" pitchFamily="34" charset="0"/>
               </a:rPr>
-              <a:t>​</a:t>
+              <a:t>Most anime were released in the last 10-15 years</a:t>
             </a:r>
             <a:endParaRPr lang="en-US" sz="2000" dirty="0">
+              <a:latin typeface="Helvetica" panose="020B0604020202020204" pitchFamily="34" charset="0"/>
+              <a:cs typeface="Helvetica" panose="020B0604020202020204" pitchFamily="34" charset="0"/>
+            </a:endParaRPr>
+          </a:p>
+          <a:p>
+            <a:r>
+              <a:rPr lang="en-US" sz="2000" dirty="0">
+                <a:latin typeface="Helvetica" panose="020B0604020202020204" pitchFamily="34" charset="0"/>
+                <a:cs typeface="Helvetica" panose="020B0604020202020204" pitchFamily="34" charset="0"/>
+              </a:rPr>
+              <a:t>The most common type of anime are tv shows</a:t>
+            </a:r>
+            <a:endParaRPr lang="en-US" sz="2000" dirty="0">
+              <a:latin typeface="Helvetica" panose="020B0604020202020204" pitchFamily="34" charset="0"/>
+              <a:cs typeface="Helvetica" panose="020B0604020202020204" pitchFamily="34" charset="0"/>
+            </a:endParaRPr>
+          </a:p>
+          <a:p>
+            <a:r>
+              <a:rPr lang="en-US" sz="2000" b="0" dirty="0">
+                <a:effectLst/>
+                <a:latin typeface="Helvetica" panose="020B0604020202020204" pitchFamily="34" charset="0"/>
+                <a:cs typeface="Helvetica" panose="020B0604020202020204" pitchFamily="34" charset="0"/>
+              </a:rPr>
+              <a:t>The season the </a:t>
+            </a:r>
+            <a:r>
+              <a:rPr lang="en-US" sz="2000" dirty="0">
+                <a:latin typeface="Helvetica" panose="020B0604020202020204" pitchFamily="34" charset="0"/>
+                <a:cs typeface="Helvetica" panose="020B0604020202020204" pitchFamily="34" charset="0"/>
+              </a:rPr>
+              <a:t>anime is released during doesn’t affect the ratings significantly</a:t>
+            </a:r>
+            <a:endParaRPr lang="en-US" sz="2000" dirty="0">
+              <a:latin typeface="Helvetica" panose="020B0604020202020204" pitchFamily="34" charset="0"/>
+              <a:cs typeface="Helvetica" panose="020B0604020202020204" pitchFamily="34" charset="0"/>
+            </a:endParaRPr>
+          </a:p>
+          <a:p>
+            <a:r>
+              <a:rPr lang="en-US" sz="2000" b="0" dirty="0">
+                <a:effectLst/>
+                <a:latin typeface="Helvetica" panose="020B0604020202020204" pitchFamily="34" charset="0"/>
+                <a:cs typeface="Helvetica" panose="020B0604020202020204" pitchFamily="34" charset="0"/>
+              </a:rPr>
+              <a:t>TV shows have the highest mean ratings, followed by TV specials.</a:t>
+            </a:r>
+            <a:endParaRPr lang="en-US" sz="2000" b="0" dirty="0">
+              <a:effectLst/>
+              <a:latin typeface="Helvetica" panose="020B0604020202020204" pitchFamily="34" charset="0"/>
+              <a:cs typeface="Helvetica" panose="020B0604020202020204" pitchFamily="34" charset="0"/>
+            </a:endParaRPr>
+          </a:p>
+          <a:p>
+            <a:r>
+              <a:rPr lang="en-US" sz="2000" dirty="0">
+                <a:latin typeface="Helvetica" panose="020B0604020202020204" pitchFamily="34" charset="0"/>
+                <a:cs typeface="Helvetica" panose="020B0604020202020204" pitchFamily="34" charset="0"/>
+              </a:rPr>
+              <a:t>The model created has a mean square error close to 0, meaning our model is performing well and can be used to predict ratings of new and unknown anime</a:t>
+            </a:r>
+            <a:endParaRPr lang="en-US" sz="2000" b="0" dirty="0">
+              <a:effectLst/>
               <a:latin typeface="Helvetica" panose="020B0604020202020204" pitchFamily="34" charset="0"/>
               <a:cs typeface="Helvetica" panose="020B0604020202020204" pitchFamily="34" charset="0"/>
             </a:endParaRPr>
@@ -9179,14 +8911,36 @@
         </p:nvSpPr>
         <p:spPr/>
         <p:txBody>
-          <a:bodyPr/>
-          <a:lstStyle/>
-          <a:p>
-            <a:r>
-              <a:rPr lang="en-US" dirty="0"/>
-              <a:t>References</a:t>
-            </a:r>
-            <a:endParaRPr lang="en-US" dirty="0"/>
+          <a:bodyPr>
+            <a:noAutofit/>
+          </a:bodyPr>
+          <a:lstStyle/>
+          <a:p>
+            <a:pPr marR="0" lvl="0" fontAlgn="base">
+              <a:lnSpc>
+                <a:spcPct val="107000"/>
+              </a:lnSpc>
+              <a:spcBef>
+                <a:spcPts val="0"/>
+              </a:spcBef>
+              <a:spcAft>
+                <a:spcPts val="0"/>
+              </a:spcAft>
+            </a:pPr>
+            <a:r>
+              <a:rPr lang="en-US" sz="5400" b="1" kern="100" dirty="0">
+                <a:latin typeface="Helvetica" panose="020B0604020202020204" pitchFamily="34" charset="0"/>
+                <a:ea typeface="DengXian" panose="02010600030101010101" pitchFamily="2" charset="-122"/>
+                <a:cs typeface="Helvetica" panose="020B0604020202020204" pitchFamily="34" charset="0"/>
+              </a:rPr>
+              <a:t>Conclusion</a:t>
+            </a:r>
+            <a:endParaRPr lang="en-US" sz="5400" b="1" kern="100" dirty="0">
+              <a:effectLst/>
+              <a:latin typeface="Helvetica" panose="020B0604020202020204" pitchFamily="34" charset="0"/>
+              <a:ea typeface="DengXian" panose="02010600030101010101" pitchFamily="2" charset="-122"/>
+              <a:cs typeface="Helvetica" panose="020B0604020202020204" pitchFamily="34" charset="0"/>
+            </a:endParaRPr>
           </a:p>
         </p:txBody>
       </p:sp>
@@ -9200,94 +8954,54 @@
             <p:ph idx="1"/>
           </p:nvPr>
         </p:nvSpPr>
-        <p:spPr/>
-        <p:txBody>
-          <a:bodyPr/>
-          <a:lstStyle/>
-          <a:p>
-            <a:r>
-              <a:rPr lang="en-US" i="1" dirty="0">
+        <p:spPr>
+          <a:xfrm>
+            <a:off x="1002100" y="1972298"/>
+            <a:ext cx="9933315" cy="4716341"/>
+          </a:xfrm>
+        </p:spPr>
+        <p:txBody>
+          <a:bodyPr>
+            <a:normAutofit/>
+          </a:bodyPr>
+          <a:lstStyle/>
+          <a:p>
+            <a:pPr marL="0" indent="0">
+              <a:buNone/>
+            </a:pPr>
+            <a:r>
+              <a:rPr lang="en-US" sz="2000" b="0" i="0" dirty="0">
                 <a:effectLst/>
-              </a:rPr>
-              <a:t>Anime Industry Data: </a:t>
-            </a:r>
-            <a:r>
-              <a:rPr lang="zh-CN" altLang="en-US" i="1" dirty="0">
-                <a:effectLst/>
-              </a:rPr>
-              <a:t>日本動画協会</a:t>
-            </a:r>
-            <a:r>
-              <a:rPr lang="en-US" altLang="zh-CN" dirty="0">
-                <a:effectLst/>
-              </a:rPr>
-              <a:t>. </a:t>
-            </a:r>
-            <a:r>
-              <a:rPr lang="en-US" dirty="0">
-                <a:effectLst/>
-              </a:rPr>
-              <a:t>The Association of Japanese Animations. (n.d.). https://aja.gr.jp/english/japan-anime-data </a:t>
-            </a:r>
-            <a:endParaRPr lang="en-US" dirty="0">
+                <a:latin typeface="Helvetica" panose="020B0604020202020204" pitchFamily="34" charset="0"/>
+                <a:cs typeface="Helvetica" panose="020B0604020202020204" pitchFamily="34" charset="0"/>
+              </a:rPr>
+              <a:t>The analysis that we have done is to help navigate someone who is new to anime and help them in being able to make a recommendation to get them started with what to watch. This could entail making a recommendation system based on the user ratings. </a:t>
+            </a:r>
+            <a:r>
+              <a:rPr lang="en-US" sz="2000" dirty="0">
+                <a:latin typeface="Helvetica" panose="020B0604020202020204" pitchFamily="34" charset="0"/>
+                <a:cs typeface="Helvetica" panose="020B0604020202020204" pitchFamily="34" charset="0"/>
+              </a:rPr>
+              <a:t>​</a:t>
+            </a:r>
+            <a:endParaRPr lang="en-US" sz="2000" dirty="0">
+              <a:latin typeface="Helvetica" panose="020B0604020202020204" pitchFamily="34" charset="0"/>
+              <a:cs typeface="Helvetica" panose="020B0604020202020204" pitchFamily="34" charset="0"/>
+            </a:endParaRPr>
+          </a:p>
+          <a:p>
+            <a:endParaRPr lang="en-US" sz="2000" b="0" dirty="0">
               <a:effectLst/>
+              <a:latin typeface="Helvetica" panose="020B0604020202020204" pitchFamily="34" charset="0"/>
+              <a:cs typeface="Helvetica" panose="020B0604020202020204" pitchFamily="34" charset="0"/>
             </a:endParaRPr>
           </a:p>
           <a:p>
-            <a:r>
-              <a:rPr lang="en-US" i="1" dirty="0">
-                <a:effectLst/>
-              </a:rPr>
-              <a:t>Welcome to anime-planet</a:t>
-            </a:r>
-            <a:r>
-              <a:rPr lang="en-US" dirty="0">
-                <a:effectLst/>
-              </a:rPr>
-              <a:t>. Anime. (n.d.). https://www.anime-planet.com/ </a:t>
-            </a:r>
-            <a:endParaRPr lang="en-US" dirty="0">
+            <a:endParaRPr lang="en-US" sz="2000" b="0" dirty="0">
               <a:effectLst/>
+              <a:latin typeface="Helvetica" panose="020B0604020202020204" pitchFamily="34" charset="0"/>
+              <a:cs typeface="Helvetica" panose="020B0604020202020204" pitchFamily="34" charset="0"/>
             </a:endParaRPr>
-          </a:p>
-          <a:p>
-            <a:r>
-              <a:rPr lang="en-US" dirty="0">
-                <a:effectLst/>
-              </a:rPr>
-              <a:t>Mane, V. (2022, January 16). </a:t>
-            </a:r>
-            <a:r>
-              <a:rPr lang="en-US" i="1" dirty="0">
-                <a:effectLst/>
-              </a:rPr>
-              <a:t>Anime dataset 2022</a:t>
-            </a:r>
-            <a:r>
-              <a:rPr lang="en-US" dirty="0">
-                <a:effectLst/>
-              </a:rPr>
-              <a:t>. Kaggle. https://www.kaggle.com/datasets/vishalmane10/anime-dataset-2022/data </a:t>
-            </a:r>
-            <a:endParaRPr lang="en-US" dirty="0">
-              <a:effectLst/>
-            </a:endParaRPr>
-          </a:p>
-          <a:p>
-            <a:endParaRPr lang="en-US" dirty="0">
-              <a:effectLst/>
-            </a:endParaRPr>
-          </a:p>
-          <a:p>
-            <a:pPr marL="0" indent="0">
-              <a:buNone/>
-            </a:pPr>
-            <a:endParaRPr lang="en-US" dirty="0">
-              <a:effectLst/>
-            </a:endParaRPr>
-          </a:p>
-          <a:p>
-            <a:endParaRPr lang="en-US" dirty="0"/>
           </a:p>
         </p:txBody>
       </p:sp>
@@ -9323,27 +9037,120 @@
             <a:spLocks noGrp="1"/>
           </p:cNvSpPr>
           <p:nvPr>
-            <p:ph type="ctrTitle"/>
+            <p:ph type="title"/>
           </p:nvPr>
         </p:nvSpPr>
         <p:spPr/>
         <p:txBody>
-          <a:bodyPr>
-            <a:normAutofit/>
-          </a:bodyPr>
-          <a:lstStyle/>
-          <a:p>
-            <a:r>
-              <a:rPr lang="en-US" sz="6000" b="1" dirty="0">
-                <a:latin typeface="Helvetica" panose="020B0604020202020204" pitchFamily="34" charset="0"/>
-                <a:cs typeface="Helvetica" panose="020B0604020202020204" pitchFamily="34" charset="0"/>
-              </a:rPr>
-              <a:t>Thank you</a:t>
-            </a:r>
-            <a:endParaRPr lang="en-US" sz="6000" b="1" dirty="0">
-              <a:latin typeface="Helvetica" panose="020B0604020202020204" pitchFamily="34" charset="0"/>
-              <a:cs typeface="Helvetica" panose="020B0604020202020204" pitchFamily="34" charset="0"/>
+          <a:bodyPr/>
+          <a:lstStyle/>
+          <a:p>
+            <a:r>
+              <a:rPr lang="en-US" dirty="0"/>
+              <a:t>References</a:t>
+            </a:r>
+            <a:endParaRPr lang="en-US" dirty="0"/>
+          </a:p>
+        </p:txBody>
+      </p:sp>
+      <p:sp>
+        <p:nvSpPr>
+          <p:cNvPr id="3" name="Content Placeholder 2"/>
+          <p:cNvSpPr>
+            <a:spLocks noGrp="1"/>
+          </p:cNvSpPr>
+          <p:nvPr>
+            <p:ph idx="1"/>
+          </p:nvPr>
+        </p:nvSpPr>
+        <p:spPr/>
+        <p:txBody>
+          <a:bodyPr/>
+          <a:lstStyle/>
+          <a:p>
+            <a:r>
+              <a:rPr lang="en-US" i="1" dirty="0">
+                <a:effectLst/>
+              </a:rPr>
+              <a:t>Anime Industry Data: </a:t>
+            </a:r>
+            <a:r>
+              <a:rPr lang="zh-CN" altLang="en-US" i="1" dirty="0">
+                <a:effectLst/>
+              </a:rPr>
+              <a:t>日本動画協会</a:t>
+            </a:r>
+            <a:r>
+              <a:rPr lang="en-US" altLang="zh-CN" dirty="0">
+                <a:effectLst/>
+              </a:rPr>
+              <a:t>. </a:t>
+            </a:r>
+            <a:r>
+              <a:rPr lang="en-US" dirty="0">
+                <a:effectLst/>
+              </a:rPr>
+              <a:t>The Association of Japanese Animations. (n.d.). https://aja.gr.jp/english/japan-anime-data </a:t>
+            </a:r>
+            <a:endParaRPr lang="en-US" dirty="0">
+              <a:effectLst/>
             </a:endParaRPr>
+          </a:p>
+          <a:p>
+            <a:r>
+              <a:rPr lang="en-US" i="1" dirty="0">
+                <a:effectLst/>
+              </a:rPr>
+              <a:t>Welcome to anime-planet</a:t>
+            </a:r>
+            <a:r>
+              <a:rPr lang="en-US" dirty="0">
+                <a:effectLst/>
+              </a:rPr>
+              <a:t>. Anime. (n.d.). https://www.anime-planet.com/ </a:t>
+            </a:r>
+            <a:endParaRPr lang="en-US" dirty="0">
+              <a:effectLst/>
+            </a:endParaRPr>
+          </a:p>
+          <a:p>
+            <a:r>
+              <a:rPr lang="en-US" dirty="0">
+                <a:effectLst/>
+              </a:rPr>
+              <a:t>Mane, V. (2022, January 16). </a:t>
+            </a:r>
+            <a:r>
+              <a:rPr lang="en-US" i="1" dirty="0">
+                <a:effectLst/>
+              </a:rPr>
+              <a:t>Anime dataset 2022</a:t>
+            </a:r>
+            <a:r>
+              <a:rPr lang="en-US" dirty="0">
+                <a:effectLst/>
+              </a:rPr>
+              <a:t>. Kaggle. https://www.kaggle.com/datasets/vishalmane10/anime-dataset-2022/data </a:t>
+            </a:r>
+            <a:endParaRPr lang="en-US" dirty="0">
+              <a:effectLst/>
+            </a:endParaRPr>
+          </a:p>
+          <a:p>
+            <a:endParaRPr lang="en-US" dirty="0">
+              <a:effectLst/>
+            </a:endParaRPr>
+          </a:p>
+          <a:p>
+            <a:pPr marL="0" indent="0">
+              <a:buNone/>
+            </a:pPr>
+            <a:endParaRPr lang="en-US" dirty="0">
+              <a:effectLst/>
+            </a:endParaRPr>
+          </a:p>
+          <a:p>
+            <a:endParaRPr lang="en-US" dirty="0"/>
           </a:p>
         </p:txBody>
       </p:sp>
@@ -9521,6 +9328,62 @@
               <a:t>The dataset itself comes from Kaggle and contains over 18,000 anime entries over the last 100 years and contains a diverse set of variables.</a:t>
             </a:r>
             <a:endParaRPr lang="en-US" sz="2000" dirty="0">
+              <a:latin typeface="Helvetica" panose="020B0604020202020204" pitchFamily="34" charset="0"/>
+              <a:cs typeface="Helvetica" panose="020B0604020202020204" pitchFamily="34" charset="0"/>
+            </a:endParaRPr>
+          </a:p>
+        </p:txBody>
+      </p:sp>
+    </p:spTree>
+  </p:cSld>
+  <p:clrMapOvr>
+    <a:masterClrMapping/>
+  </p:clrMapOvr>
+</p:sld>
+</file>
+
+<file path=ppt/slides/slide30.xml><?xml version="1.0" encoding="utf-8"?>
+<p:sld xmlns:a="http://schemas.openxmlformats.org/drawingml/2006/main" xmlns:r="http://schemas.openxmlformats.org/officeDocument/2006/relationships" xmlns:p="http://schemas.openxmlformats.org/presentationml/2006/main">
+  <p:cSld>
+    <p:spTree>
+      <p:nvGrpSpPr>
+        <p:cNvPr id="1" name=""/>
+        <p:cNvGrpSpPr/>
+        <p:nvPr/>
+      </p:nvGrpSpPr>
+      <p:grpSpPr>
+        <a:xfrm>
+          <a:off x="0" y="0"/>
+          <a:ext cx="0" cy="0"/>
+          <a:chOff x="0" y="0"/>
+          <a:chExt cx="0" cy="0"/>
+        </a:xfrm>
+      </p:grpSpPr>
+      <p:sp>
+        <p:nvSpPr>
+          <p:cNvPr id="2" name="Title 1"/>
+          <p:cNvSpPr>
+            <a:spLocks noGrp="1"/>
+          </p:cNvSpPr>
+          <p:nvPr>
+            <p:ph type="ctrTitle"/>
+          </p:nvPr>
+        </p:nvSpPr>
+        <p:spPr/>
+        <p:txBody>
+          <a:bodyPr>
+            <a:normAutofit/>
+          </a:bodyPr>
+          <a:lstStyle/>
+          <a:p>
+            <a:r>
+              <a:rPr lang="en-US" sz="6000" b="1" dirty="0">
+                <a:latin typeface="Helvetica" panose="020B0604020202020204" pitchFamily="34" charset="0"/>
+                <a:cs typeface="Helvetica" panose="020B0604020202020204" pitchFamily="34" charset="0"/>
+              </a:rPr>
+              <a:t>Thank you</a:t>
+            </a:r>
+            <a:endParaRPr lang="en-US" sz="6000" b="1" dirty="0">
               <a:latin typeface="Helvetica" panose="020B0604020202020204" pitchFamily="34" charset="0"/>
               <a:cs typeface="Helvetica" panose="020B0604020202020204" pitchFamily="34" charset="0"/>
             </a:endParaRPr>
@@ -10029,7 +9892,14 @@
         <p:cNvGrpSpPr/>
         <p:nvPr/>
       </p:nvGrpSpPr>
-      <p:grpSpPr/>
+      <p:grpSpPr>
+        <a:xfrm>
+          <a:off x="0" y="0"/>
+          <a:ext cx="0" cy="0"/>
+          <a:chOff x="0" y="0"/>
+          <a:chExt cx="0" cy="0"/>
+        </a:xfrm>
+      </p:grpSpPr>
       <p:sp>
         <p:nvSpPr>
           <p:cNvPr id="2" name="Title 1"/>
@@ -10045,83 +9915,61 @@
           <a:bodyPr>
             <a:normAutofit fontScale="90000"/>
           </a:bodyPr>
-          <a:p>
-            <a:r>
-              <a:rPr lang="en-IN" dirty="0">
-                <a:sym typeface="+mn-ea"/>
-              </a:rPr>
-              <a:t>Missing Values Strategy:</a:t>
-            </a:r>
-            <a:br>
-              <a:rPr lang="en-IN" dirty="0">
-                <a:sym typeface="+mn-ea"/>
-              </a:rPr>
-            </a:br>
-            <a:br>
-              <a:rPr lang="en-IN" dirty="0">
-                <a:sym typeface="+mn-ea"/>
-              </a:rPr>
-            </a:br>
-            <a:r>
-              <a:rPr lang="en-IN" dirty="0">
-                <a:sym typeface="+mn-ea"/>
-              </a:rPr>
-              <a:t>Drop All Values:  --Not Possible</a:t>
-            </a:r>
-            <a:endParaRPr lang="en-US"/>
-          </a:p>
-        </p:txBody>
-      </p:sp>
-      <p:pic>
-        <p:nvPicPr>
-          <p:cNvPr id="8" name="Content Placeholder 7"/>
-          <p:cNvPicPr>
-            <a:picLocks noGrp="1" noChangeAspect="1"/>
-          </p:cNvPicPr>
+          <a:lstStyle/>
+          <a:p>
+            <a:r>
+              <a:rPr lang="en-US" sz="5400" dirty="0">
+                <a:latin typeface="Helvetica" panose="020B0604020202020204" pitchFamily="34" charset="0"/>
+                <a:cs typeface="Helvetica" panose="020B0604020202020204" pitchFamily="34" charset="0"/>
+              </a:rPr>
+              <a:t>Removal of missing values</a:t>
+            </a:r>
+            <a:endParaRPr lang="en-US" sz="5400" dirty="0">
+              <a:latin typeface="Helvetica" panose="020B0604020202020204" pitchFamily="34" charset="0"/>
+              <a:cs typeface="Helvetica" panose="020B0604020202020204" pitchFamily="34" charset="0"/>
+            </a:endParaRPr>
+          </a:p>
+        </p:txBody>
+      </p:sp>
+      <p:sp>
+        <p:nvSpPr>
+          <p:cNvPr id="3" name="Content Placeholder 2"/>
+          <p:cNvSpPr>
+            <a:spLocks noGrp="1"/>
+          </p:cNvSpPr>
           <p:nvPr>
             <p:ph idx="1"/>
           </p:nvPr>
-        </p:nvPicPr>
-        <p:blipFill>
-          <a:blip r:embed="rId1"/>
-          <a:stretch>
-            <a:fillRect/>
-          </a:stretch>
-        </p:blipFill>
-        <p:spPr>
-          <a:xfrm>
-            <a:off x="766445" y="2239010"/>
-            <a:ext cx="4950460" cy="3649345"/>
-          </a:xfrm>
-          <a:prstGeom prst="rect">
-            <a:avLst/>
-          </a:prstGeom>
-        </p:spPr>
-      </p:pic>
-      <p:pic>
-        <p:nvPicPr>
-          <p:cNvPr id="10" name="Picture 9"/>
-          <p:cNvPicPr>
-            <a:picLocks noChangeAspect="1"/>
-          </p:cNvPicPr>
-          <p:nvPr/>
-        </p:nvPicPr>
-        <p:blipFill>
-          <a:blip r:embed="rId2"/>
-          <a:stretch>
-            <a:fillRect/>
-          </a:stretch>
-        </p:blipFill>
-        <p:spPr>
-          <a:xfrm>
-            <a:off x="6182995" y="2239010"/>
-            <a:ext cx="4557395" cy="3649345"/>
-          </a:xfrm>
-          <a:prstGeom prst="rect">
-            <a:avLst/>
-          </a:prstGeom>
-        </p:spPr>
-      </p:pic>
+        </p:nvSpPr>
+        <p:spPr>
+          <a:xfrm>
+            <a:off x="685800" y="2141855"/>
+            <a:ext cx="8214995" cy="3649345"/>
+          </a:xfrm>
+        </p:spPr>
+        <p:txBody>
+          <a:bodyPr>
+            <a:normAutofit/>
+          </a:bodyPr>
+          <a:lstStyle/>
+          <a:p>
+            <a:pPr marL="0" indent="0">
+              <a:buNone/>
+            </a:pPr>
+            <a:r>
+              <a:rPr lang="en-US" sz="2000" dirty="0">
+                <a:latin typeface="Helvetica" panose="020B0604020202020204" pitchFamily="34" charset="0"/>
+                <a:cs typeface="Helvetica" panose="020B0604020202020204" pitchFamily="34" charset="0"/>
+              </a:rPr>
+              <a:t>The easiest way to clean the data is to remove all the rows with null values if it does not affect the dataset too much. However, as seen here, we are only left with 40 entries if all null values are removed so this is not a reasonable method of cleaning the data</a:t>
+            </a:r>
+            <a:endParaRPr lang="en-US" sz="2000" dirty="0">
+              <a:latin typeface="Helvetica" panose="020B0604020202020204" pitchFamily="34" charset="0"/>
+              <a:cs typeface="Helvetica" panose="020B0604020202020204" pitchFamily="34" charset="0"/>
+            </a:endParaRPr>
+          </a:p>
+        </p:txBody>
+      </p:sp>
     </p:spTree>
   </p:cSld>
   <p:clrMapOvr>
@@ -10152,263 +10000,86 @@
         </p:nvSpPr>
         <p:spPr/>
         <p:txBody>
-          <a:bodyPr/>
-          <a:p>
-            <a:r>
-              <a:rPr lang="en-US" dirty="0">
-                <a:latin typeface="Helvetica" panose="020B0604020202020204" pitchFamily="34" charset="0"/>
-                <a:cs typeface="Helvetica" panose="020B0604020202020204" pitchFamily="34" charset="0"/>
+          <a:bodyPr>
+            <a:normAutofit fontScale="90000"/>
+          </a:bodyPr>
+          <a:p>
+            <a:r>
+              <a:rPr lang="en-IN" dirty="0">
                 <a:sym typeface="+mn-ea"/>
               </a:rPr>
-              <a:t>Missing Values</a:t>
-            </a:r>
-            <a:r>
-              <a:rPr lang="en-IN" altLang="en-US" dirty="0">
-                <a:latin typeface="Helvetica" panose="020B0604020202020204" pitchFamily="34" charset="0"/>
-                <a:cs typeface="Helvetica" panose="020B0604020202020204" pitchFamily="34" charset="0"/>
+              <a:t>Missing Values Strategy:</a:t>
+            </a:r>
+            <a:br>
+              <a:rPr lang="en-IN" dirty="0">
                 <a:sym typeface="+mn-ea"/>
               </a:rPr>
-              <a:t>:  </a:t>
-            </a:r>
+            </a:br>
             <a:br>
-              <a:rPr lang="en-IN" altLang="en-US" dirty="0">
-                <a:latin typeface="Helvetica" panose="020B0604020202020204" pitchFamily="34" charset="0"/>
-                <a:cs typeface="Helvetica" panose="020B0604020202020204" pitchFamily="34" charset="0"/>
+              <a:rPr lang="en-IN" dirty="0">
                 <a:sym typeface="+mn-ea"/>
               </a:rPr>
             </a:br>
             <a:r>
-              <a:rPr lang="en-IN" altLang="en-US" sz="2000" dirty="0">
-                <a:latin typeface="Helvetica" panose="020B0604020202020204" pitchFamily="34" charset="0"/>
-                <a:cs typeface="Helvetica" panose="020B0604020202020204" pitchFamily="34" charset="0"/>
+              <a:rPr lang="en-IN" dirty="0">
                 <a:sym typeface="+mn-ea"/>
               </a:rPr>
-              <a:t>sTRATEGY-2:</a:t>
-            </a:r>
-            <a:endParaRPr lang="en-IN" altLang="en-US" sz="2000" dirty="0">
-              <a:latin typeface="Helvetica" panose="020B0604020202020204" pitchFamily="34" charset="0"/>
-              <a:cs typeface="Helvetica" panose="020B0604020202020204" pitchFamily="34" charset="0"/>
-              <a:sym typeface="+mn-ea"/>
-            </a:endParaRPr>
-          </a:p>
-        </p:txBody>
-      </p:sp>
-      <p:sp>
-        <p:nvSpPr>
-          <p:cNvPr id="3" name="Content Placeholder 2"/>
-          <p:cNvSpPr>
-            <a:spLocks noGrp="1"/>
-          </p:cNvSpPr>
+              <a:t>Drop All Values:  --Not Possible</a:t>
+            </a:r>
+            <a:endParaRPr lang="en-US"/>
+          </a:p>
+        </p:txBody>
+      </p:sp>
+      <p:pic>
+        <p:nvPicPr>
+          <p:cNvPr id="8" name="Content Placeholder 7"/>
+          <p:cNvPicPr>
+            <a:picLocks noGrp="1" noChangeAspect="1"/>
+          </p:cNvPicPr>
           <p:nvPr>
             <p:ph idx="1"/>
           </p:nvPr>
-        </p:nvSpPr>
-        <p:spPr/>
-        <p:txBody>
-          <a:bodyPr>
-            <a:normAutofit lnSpcReduction="20000"/>
-          </a:bodyPr>
-          <a:p>
-            <a:r>
-              <a:rPr lang="en-US" sz="2000" dirty="0">
-                <a:latin typeface="Helvetica" panose="020B0604020202020204" pitchFamily="34" charset="0"/>
-                <a:cs typeface="Helvetica" panose="020B0604020202020204" pitchFamily="34" charset="0"/>
-                <a:sym typeface="+mn-ea"/>
-              </a:rPr>
-              <a:t>There are quite a few columns with more than 50% of missing values. We will drop them.</a:t>
-            </a:r>
-            <a:endParaRPr lang="en-US" sz="2000" dirty="0">
-              <a:latin typeface="Helvetica" panose="020B0604020202020204" pitchFamily="34" charset="0"/>
-              <a:cs typeface="Helvetica" panose="020B0604020202020204" pitchFamily="34" charset="0"/>
-            </a:endParaRPr>
-          </a:p>
-          <a:p>
-            <a:r>
-              <a:rPr lang="en-US" sz="2000" dirty="0" err="1">
-                <a:latin typeface="Helvetica" panose="020B0604020202020204" pitchFamily="34" charset="0"/>
-                <a:cs typeface="Helvetica" panose="020B0604020202020204" pitchFamily="34" charset="0"/>
-                <a:sym typeface="+mn-ea"/>
-              </a:rPr>
-              <a:t>df.drop</a:t>
-            </a:r>
-            <a:r>
-              <a:rPr lang="en-US" sz="2000" dirty="0">
-                <a:latin typeface="Helvetica" panose="020B0604020202020204" pitchFamily="34" charset="0"/>
-                <a:cs typeface="Helvetica" panose="020B0604020202020204" pitchFamily="34" charset="0"/>
-                <a:sym typeface="+mn-ea"/>
-              </a:rPr>
-              <a:t>([</a:t>
-            </a:r>
-            <a:r>
-              <a:rPr lang="en-US" sz="2000" b="1" i="1" dirty="0">
-                <a:latin typeface="Helvetica" panose="020B0604020202020204" pitchFamily="34" charset="0"/>
-                <a:cs typeface="Helvetica" panose="020B0604020202020204" pitchFamily="34" charset="0"/>
-                <a:sym typeface="+mn-ea"/>
-              </a:rPr>
-              <a:t>'Japanese_name','End_year','Content_Warning','</a:t>
-            </a:r>
-            <a:r>
-              <a:rPr lang="en-US" sz="2000" b="1" i="1" dirty="0" err="1">
-                <a:latin typeface="Helvetica" panose="020B0604020202020204" pitchFamily="34" charset="0"/>
-                <a:cs typeface="Helvetica" panose="020B0604020202020204" pitchFamily="34" charset="0"/>
-                <a:sym typeface="+mn-ea"/>
-              </a:rPr>
-              <a:t>Related_Mange</a:t>
-            </a:r>
-            <a:r>
-              <a:rPr lang="en-US" sz="2000" b="1" i="1" dirty="0">
-                <a:latin typeface="Helvetica" panose="020B0604020202020204" pitchFamily="34" charset="0"/>
-                <a:cs typeface="Helvetica" panose="020B0604020202020204" pitchFamily="34" charset="0"/>
-                <a:sym typeface="+mn-ea"/>
-              </a:rPr>
-              <a:t>'</a:t>
-            </a:r>
-            <a:r>
-              <a:rPr lang="en-US" sz="2000" dirty="0">
-                <a:latin typeface="Helvetica" panose="020B0604020202020204" pitchFamily="34" charset="0"/>
-                <a:cs typeface="Helvetica" panose="020B0604020202020204" pitchFamily="34" charset="0"/>
-                <a:sym typeface="+mn-ea"/>
-              </a:rPr>
-              <a:t>],axis=1,inplace=True)</a:t>
-            </a:r>
-            <a:endParaRPr lang="en-US" sz="2000" dirty="0">
-              <a:latin typeface="Helvetica" panose="020B0604020202020204" pitchFamily="34" charset="0"/>
-              <a:cs typeface="Helvetica" panose="020B0604020202020204" pitchFamily="34" charset="0"/>
-              <a:sym typeface="+mn-ea"/>
-            </a:endParaRPr>
-          </a:p>
-          <a:p>
-            <a:r>
-              <a:rPr lang="en-IN" altLang="en-US" sz="2000" dirty="0">
-                <a:latin typeface="Helvetica" panose="020B0604020202020204" pitchFamily="34" charset="0"/>
-                <a:cs typeface="Helvetica" panose="020B0604020202020204" pitchFamily="34" charset="0"/>
-                <a:sym typeface="+mn-ea"/>
-              </a:rPr>
-              <a:t>D</a:t>
-            </a:r>
-            <a:r>
-              <a:rPr lang="en-US" sz="2000" dirty="0">
-                <a:latin typeface="Helvetica" panose="020B0604020202020204" pitchFamily="34" charset="0"/>
-                <a:cs typeface="Helvetica" panose="020B0604020202020204" pitchFamily="34" charset="0"/>
-                <a:sym typeface="+mn-ea"/>
-              </a:rPr>
-              <a:t>ropped the null values of the columns by giving axis =1 because the usage of the columns are very less# And finally, we don't need these.</a:t>
-            </a:r>
-            <a:endParaRPr lang="en-US" sz="2000" dirty="0">
-              <a:latin typeface="Helvetica" panose="020B0604020202020204" pitchFamily="34" charset="0"/>
-              <a:cs typeface="Helvetica" panose="020B0604020202020204" pitchFamily="34" charset="0"/>
-            </a:endParaRPr>
-          </a:p>
-          <a:p>
-            <a:r>
-              <a:rPr lang="en-US" sz="2000" dirty="0" err="1">
-                <a:latin typeface="Helvetica" panose="020B0604020202020204" pitchFamily="34" charset="0"/>
-                <a:cs typeface="Helvetica" panose="020B0604020202020204" pitchFamily="34" charset="0"/>
-                <a:sym typeface="+mn-ea"/>
-              </a:rPr>
-              <a:t>df.drop</a:t>
-            </a:r>
-            <a:r>
-              <a:rPr lang="en-US" sz="2000" dirty="0">
-                <a:latin typeface="Helvetica" panose="020B0604020202020204" pitchFamily="34" charset="0"/>
-                <a:cs typeface="Helvetica" panose="020B0604020202020204" pitchFamily="34" charset="0"/>
-                <a:sym typeface="+mn-ea"/>
-              </a:rPr>
-              <a:t>([</a:t>
-            </a:r>
-            <a:r>
-              <a:rPr lang="en-US" sz="2000" b="1" i="1" dirty="0">
-                <a:latin typeface="Helvetica" panose="020B0604020202020204" pitchFamily="34" charset="0"/>
-                <a:cs typeface="Helvetica" panose="020B0604020202020204" pitchFamily="34" charset="0"/>
-                <a:sym typeface="+mn-ea"/>
-              </a:rPr>
-              <a:t>'</a:t>
-            </a:r>
-            <a:r>
-              <a:rPr lang="en-US" sz="2000" b="1" i="1" dirty="0" err="1">
-                <a:latin typeface="Helvetica" panose="020B0604020202020204" pitchFamily="34" charset="0"/>
-                <a:cs typeface="Helvetica" panose="020B0604020202020204" pitchFamily="34" charset="0"/>
-                <a:sym typeface="+mn-ea"/>
-              </a:rPr>
-              <a:t>Related_anime</a:t>
-            </a:r>
-            <a:r>
-              <a:rPr lang="en-US" sz="2000" b="1" i="1" dirty="0">
-                <a:latin typeface="Helvetica" panose="020B0604020202020204" pitchFamily="34" charset="0"/>
-                <a:cs typeface="Helvetica" panose="020B0604020202020204" pitchFamily="34" charset="0"/>
-                <a:sym typeface="+mn-ea"/>
-              </a:rPr>
-              <a:t>', '</a:t>
-            </a:r>
-            <a:r>
-              <a:rPr lang="en-US" sz="2000" b="1" i="1" dirty="0" err="1">
-                <a:latin typeface="Helvetica" panose="020B0604020202020204" pitchFamily="34" charset="0"/>
-                <a:cs typeface="Helvetica" panose="020B0604020202020204" pitchFamily="34" charset="0"/>
-                <a:sym typeface="+mn-ea"/>
-              </a:rPr>
-              <a:t>Voice_actors</a:t>
-            </a:r>
-            <a:r>
-              <a:rPr lang="en-US" sz="2000" b="1" i="1" dirty="0">
-                <a:latin typeface="Helvetica" panose="020B0604020202020204" pitchFamily="34" charset="0"/>
-                <a:cs typeface="Helvetica" panose="020B0604020202020204" pitchFamily="34" charset="0"/>
-                <a:sym typeface="+mn-ea"/>
-              </a:rPr>
-              <a:t>', 'staff</a:t>
-            </a:r>
-            <a:r>
-              <a:rPr lang="en-US" sz="2000" dirty="0">
-                <a:latin typeface="Helvetica" panose="020B0604020202020204" pitchFamily="34" charset="0"/>
-                <a:cs typeface="Helvetica" panose="020B0604020202020204" pitchFamily="34" charset="0"/>
-                <a:sym typeface="+mn-ea"/>
-              </a:rPr>
-              <a:t>'], axis=1, </a:t>
-            </a:r>
-            <a:r>
-              <a:rPr lang="en-US" sz="2000" dirty="0" err="1">
-                <a:latin typeface="Helvetica" panose="020B0604020202020204" pitchFamily="34" charset="0"/>
-                <a:cs typeface="Helvetica" panose="020B0604020202020204" pitchFamily="34" charset="0"/>
-                <a:sym typeface="+mn-ea"/>
-              </a:rPr>
-              <a:t>inplace</a:t>
-            </a:r>
-            <a:r>
-              <a:rPr lang="en-US" sz="2000" dirty="0">
-                <a:latin typeface="Helvetica" panose="020B0604020202020204" pitchFamily="34" charset="0"/>
-                <a:cs typeface="Helvetica" panose="020B0604020202020204" pitchFamily="34" charset="0"/>
-                <a:sym typeface="+mn-ea"/>
-              </a:rPr>
-              <a:t>=True)</a:t>
-            </a:r>
-            <a:r>
-              <a:rPr lang="en-US" sz="2000" dirty="0" err="1">
-                <a:latin typeface="Helvetica" panose="020B0604020202020204" pitchFamily="34" charset="0"/>
-                <a:cs typeface="Helvetica" panose="020B0604020202020204" pitchFamily="34" charset="0"/>
-                <a:sym typeface="+mn-ea"/>
-              </a:rPr>
-              <a:t>df.head</a:t>
-            </a:r>
-            <a:r>
-              <a:rPr lang="en-US" sz="2000" dirty="0">
-                <a:latin typeface="Helvetica" panose="020B0604020202020204" pitchFamily="34" charset="0"/>
-                <a:cs typeface="Helvetica" panose="020B0604020202020204" pitchFamily="34" charset="0"/>
-                <a:sym typeface="+mn-ea"/>
-              </a:rPr>
-              <a:t>()</a:t>
-            </a:r>
-            <a:endParaRPr lang="en-IN" sz="2000" dirty="0">
-              <a:latin typeface="Helvetica" panose="020B0604020202020204" pitchFamily="34" charset="0"/>
-              <a:cs typeface="Helvetica" panose="020B0604020202020204" pitchFamily="34" charset="0"/>
-            </a:endParaRPr>
-          </a:p>
-          <a:p>
-            <a:endParaRPr lang="en-US" sz="2000">
-              <a:latin typeface="Helvetica" panose="020B0604020202020204" pitchFamily="34" charset="0"/>
-              <a:cs typeface="Helvetica" panose="020B0604020202020204" pitchFamily="34" charset="0"/>
-            </a:endParaRPr>
-          </a:p>
-        </p:txBody>
-      </p:sp>
+        </p:nvPicPr>
+        <p:blipFill>
+          <a:blip r:embed="rId1"/>
+          <a:stretch>
+            <a:fillRect/>
+          </a:stretch>
+        </p:blipFill>
+        <p:spPr>
+          <a:xfrm>
+            <a:off x="766445" y="2239010"/>
+            <a:ext cx="4950460" cy="3649345"/>
+          </a:xfrm>
+          <a:prstGeom prst="rect">
+            <a:avLst/>
+          </a:prstGeom>
+        </p:spPr>
+      </p:pic>
+      <p:pic>
+        <p:nvPicPr>
+          <p:cNvPr id="10" name="Picture 9"/>
+          <p:cNvPicPr>
+            <a:picLocks noChangeAspect="1"/>
+          </p:cNvPicPr>
+          <p:nvPr/>
+        </p:nvPicPr>
+        <p:blipFill>
+          <a:blip r:embed="rId2"/>
+          <a:stretch>
+            <a:fillRect/>
+          </a:stretch>
+        </p:blipFill>
+        <p:spPr>
+          <a:xfrm>
+            <a:off x="6182995" y="2239010"/>
+            <a:ext cx="4557395" cy="3649345"/>
+          </a:xfrm>
+          <a:prstGeom prst="rect">
+            <a:avLst/>
+          </a:prstGeom>
+        </p:spPr>
+      </p:pic>
     </p:spTree>
   </p:cSld>
   <p:clrMapOvr>
@@ -10442,59 +10113,93 @@
           <a:bodyPr/>
           <a:p>
             <a:r>
-              <a:rPr lang="en-IN" dirty="0">
+              <a:rPr lang="en-IN" altLang="en-US" sz="4800">
+                <a:latin typeface="Helvetica" panose="020B0604020202020204" pitchFamily="34" charset="0"/>
+                <a:cs typeface="Helvetica" panose="020B0604020202020204" pitchFamily="34" charset="0"/>
+              </a:rPr>
+              <a:t>Feature Engineering</a:t>
+            </a:r>
+            <a:r>
+              <a:rPr lang="en-IN" altLang="en-US"/>
+              <a:t>:</a:t>
+            </a:r>
+            <a:endParaRPr lang="en-IN" altLang="en-US"/>
+          </a:p>
+        </p:txBody>
+      </p:sp>
+      <p:sp>
+        <p:nvSpPr>
+          <p:cNvPr id="3" name="Content Placeholder 2"/>
+          <p:cNvSpPr>
+            <a:spLocks noGrp="1"/>
+          </p:cNvSpPr>
+          <p:nvPr>
+            <p:ph idx="1"/>
+          </p:nvPr>
+        </p:nvSpPr>
+        <p:spPr>
+          <a:xfrm>
+            <a:off x="685800" y="2141855"/>
+            <a:ext cx="10131425" cy="1864360"/>
+          </a:xfrm>
+        </p:spPr>
+        <p:txBody>
+          <a:bodyPr/>
+          <a:p>
+            <a:r>
+              <a:rPr lang="en-US" sz="2000" dirty="0">
+                <a:latin typeface="Helvetica" panose="020B0604020202020204" pitchFamily="34" charset="0"/>
+                <a:cs typeface="Helvetica" panose="020B0604020202020204" pitchFamily="34" charset="0"/>
                 <a:sym typeface="+mn-ea"/>
               </a:rPr>
-              <a:t>Feature- Description</a:t>
-            </a:r>
-            <a:endParaRPr lang="en-US"/>
-          </a:p>
-        </p:txBody>
-      </p:sp>
-      <p:sp>
-        <p:nvSpPr>
-          <p:cNvPr id="3" name="Content Placeholder 2"/>
-          <p:cNvSpPr>
-            <a:spLocks noGrp="1"/>
-          </p:cNvSpPr>
-          <p:nvPr>
-            <p:ph idx="1"/>
-          </p:nvPr>
-        </p:nvSpPr>
-        <p:spPr>
-          <a:xfrm>
-            <a:off x="685800" y="1645285"/>
-            <a:ext cx="10131425" cy="4145915"/>
-          </a:xfrm>
-        </p:spPr>
-        <p:txBody>
-          <a:bodyPr/>
-          <a:p>
-            <a:pPr marL="0" indent="0">
-              <a:buNone/>
-            </a:pPr>
-            <a:r>
-              <a:rPr lang="en-IN" sz="2000" dirty="0">
+              <a:t>we uses a lambda function (</a:t>
+            </a:r>
+            <a:r>
+              <a:rPr lang="en-US" sz="2000" dirty="0" err="1">
+                <a:latin typeface="Helvetica" panose="020B0604020202020204" pitchFamily="34" charset="0"/>
+                <a:cs typeface="Helvetica" panose="020B0604020202020204" pitchFamily="34" charset="0"/>
                 <a:sym typeface="+mn-ea"/>
               </a:rPr>
-              <a:t>Removing the value = “No synopsis Yet come back soon! ” </a:t>
-            </a:r>
-            <a:endParaRPr lang="en-IN" sz="2000" dirty="0"/>
-          </a:p>
-          <a:p>
-            <a:endParaRPr lang="en-IN" sz="2000" dirty="0"/>
-          </a:p>
-          <a:p>
-            <a:endParaRPr lang="en-IN" sz="2000" dirty="0"/>
-          </a:p>
-          <a:p>
-            <a:endParaRPr lang="en-US" sz="2000"/>
+              <a:t>Anonymus</a:t>
+            </a:r>
+            <a:r>
+              <a:rPr lang="en-US" sz="2000" dirty="0">
+                <a:latin typeface="Helvetica" panose="020B0604020202020204" pitchFamily="34" charset="0"/>
+                <a:cs typeface="Helvetica" panose="020B0604020202020204" pitchFamily="34" charset="0"/>
+                <a:sym typeface="+mn-ea"/>
+              </a:rPr>
+              <a:t> Function)to count the number of string 'columns' by splitting the string at ','. If 'columns' is not empty, it calculates the length; otherwise, it sets 'columns' to 0.</a:t>
+            </a:r>
+            <a:endParaRPr lang="en-US" sz="2000" dirty="0">
+              <a:latin typeface="Helvetica" panose="020B0604020202020204" pitchFamily="34" charset="0"/>
+              <a:cs typeface="Helvetica" panose="020B0604020202020204" pitchFamily="34" charset="0"/>
+            </a:endParaRPr>
+          </a:p>
+          <a:p>
+            <a:r>
+              <a:rPr lang="en-US" sz="2000" dirty="0">
+                <a:latin typeface="Helvetica" panose="020B0604020202020204" pitchFamily="34" charset="0"/>
+                <a:cs typeface="Helvetica" panose="020B0604020202020204" pitchFamily="34" charset="0"/>
+                <a:sym typeface="+mn-ea"/>
+              </a:rPr>
+              <a:t>Advantages: Strings are converted into the integers</a:t>
+            </a:r>
+            <a:endParaRPr lang="en-IN" sz="2000" dirty="0">
+              <a:latin typeface="Helvetica" panose="020B0604020202020204" pitchFamily="34" charset="0"/>
+              <a:cs typeface="Helvetica" panose="020B0604020202020204" pitchFamily="34" charset="0"/>
+            </a:endParaRPr>
+          </a:p>
+          <a:p>
+            <a:endParaRPr lang="en-US" sz="2000">
+              <a:latin typeface="Helvetica" panose="020B0604020202020204" pitchFamily="34" charset="0"/>
+              <a:cs typeface="Helvetica" panose="020B0604020202020204" pitchFamily="34" charset="0"/>
+            </a:endParaRPr>
           </a:p>
         </p:txBody>
       </p:sp>
       <p:pic>
         <p:nvPicPr>
-          <p:cNvPr id="18" name="Picture 17"/>
+          <p:cNvPr id="5" name="Picture 4"/>
           <p:cNvPicPr>
             <a:picLocks noChangeAspect="1"/>
           </p:cNvPicPr>
@@ -10508,32 +10213,8 @@
         </p:blipFill>
         <p:spPr>
           <a:xfrm>
-            <a:off x="804545" y="3658870"/>
-            <a:ext cx="5685155" cy="1172210"/>
-          </a:xfrm>
-          <a:prstGeom prst="rect">
-            <a:avLst/>
-          </a:prstGeom>
-        </p:spPr>
-      </p:pic>
-      <p:pic>
-        <p:nvPicPr>
-          <p:cNvPr id="21" name="Content Placeholder 7"/>
-          <p:cNvPicPr>
-            <a:picLocks noChangeAspect="1"/>
-          </p:cNvPicPr>
-          <p:nvPr/>
-        </p:nvPicPr>
-        <p:blipFill>
-          <a:blip r:embed="rId2"/>
-          <a:stretch>
-            <a:fillRect/>
-          </a:stretch>
-        </p:blipFill>
-        <p:spPr>
-          <a:xfrm>
-            <a:off x="6741441" y="2728403"/>
-            <a:ext cx="4980967" cy="3295677"/>
+            <a:off x="793115" y="3916045"/>
+            <a:ext cx="10462260" cy="2575560"/>
           </a:xfrm>
           <a:prstGeom prst="rect">
             <a:avLst/>
@@ -10583,13 +10264,26 @@
           <a:lstStyle/>
           <a:p>
             <a:r>
-              <a:rPr lang="en-US" sz="5400" dirty="0">
-                <a:latin typeface="Helvetica" panose="020B0604020202020204" pitchFamily="34" charset="0"/>
-                <a:cs typeface="Helvetica" panose="020B0604020202020204" pitchFamily="34" charset="0"/>
-              </a:rPr>
-              <a:t>Removal of missing values</a:t>
-            </a:r>
-            <a:endParaRPr lang="en-US" sz="5400" dirty="0">
+              <a:rPr lang="en-IN" altLang="en-US" sz="5400" dirty="0">
+                <a:latin typeface="Helvetica" panose="020B0604020202020204" pitchFamily="34" charset="0"/>
+                <a:cs typeface="Helvetica" panose="020B0604020202020204" pitchFamily="34" charset="0"/>
+              </a:rPr>
+              <a:t>Removal of missing values:</a:t>
+            </a:r>
+            <a:br>
+              <a:rPr lang="en-IN" altLang="en-US" sz="5400" dirty="0">
+                <a:latin typeface="Helvetica" panose="020B0604020202020204" pitchFamily="34" charset="0"/>
+                <a:cs typeface="Helvetica" panose="020B0604020202020204" pitchFamily="34" charset="0"/>
+              </a:rPr>
+            </a:br>
+            <a:r>
+              <a:rPr lang="en-IN" altLang="en-US" sz="2000" dirty="0">
+                <a:latin typeface="Helvetica" panose="020B0604020202020204" pitchFamily="34" charset="0"/>
+                <a:cs typeface="Helvetica" panose="020B0604020202020204" pitchFamily="34" charset="0"/>
+              </a:rPr>
+              <a:t>strategy-2 removing the unwanted columns:</a:t>
+            </a:r>
+            <a:endParaRPr lang="en-IN" altLang="en-US" sz="2000" dirty="0">
               <a:latin typeface="Helvetica" panose="020B0604020202020204" pitchFamily="34" charset="0"/>
               <a:cs typeface="Helvetica" panose="020B0604020202020204" pitchFamily="34" charset="0"/>
             </a:endParaRPr>
@@ -10608,36 +10302,264 @@
         </p:nvSpPr>
         <p:spPr>
           <a:xfrm>
-            <a:off x="685802" y="2142067"/>
-            <a:ext cx="4533180" cy="3649133"/>
+            <a:off x="685801" y="2142067"/>
+            <a:ext cx="5687289" cy="4360333"/>
           </a:xfrm>
         </p:spPr>
         <p:txBody>
           <a:bodyPr>
-            <a:normAutofit/>
+            <a:normAutofit fontScale="85000" lnSpcReduction="10000"/>
           </a:bodyPr>
           <a:lstStyle/>
           <a:p>
-            <a:pPr marL="0" indent="0">
-              <a:buNone/>
-            </a:pPr>
-            <a:r>
-              <a:rPr lang="en-US" sz="2000" dirty="0">
-                <a:latin typeface="Helvetica" panose="020B0604020202020204" pitchFamily="34" charset="0"/>
-                <a:cs typeface="Helvetica" panose="020B0604020202020204" pitchFamily="34" charset="0"/>
-              </a:rPr>
-              <a:t>The easiest way to clean the data is to remove all the rows with null values if it does not affect the dataset too much. However, as seen here, we are only left with 40 entries if all null values are removed so this is not a reasonable method of cleaning the data</a:t>
-            </a:r>
-            <a:endParaRPr lang="en-US" sz="2000" dirty="0">
+            <a:r>
+              <a:rPr lang="en-US" dirty="0">
+                <a:latin typeface="Helvetica" panose="020B0604020202020204" pitchFamily="34" charset="0"/>
+                <a:cs typeface="Helvetica" panose="020B0604020202020204" pitchFamily="34" charset="0"/>
+              </a:rPr>
+              <a:t>‘</a:t>
+            </a:r>
+            <a:r>
+              <a:rPr lang="en-US" dirty="0" err="1">
+                <a:latin typeface="Helvetica" panose="020B0604020202020204" pitchFamily="34" charset="0"/>
+                <a:cs typeface="Helvetica" panose="020B0604020202020204" pitchFamily="34" charset="0"/>
+              </a:rPr>
+              <a:t>Japanese_name</a:t>
+            </a:r>
+            <a:r>
+              <a:rPr lang="en-US" dirty="0">
+                <a:latin typeface="Helvetica" panose="020B0604020202020204" pitchFamily="34" charset="0"/>
+                <a:cs typeface="Helvetica" panose="020B0604020202020204" pitchFamily="34" charset="0"/>
+              </a:rPr>
+              <a:t>’, ‘</a:t>
+            </a:r>
+            <a:r>
+              <a:rPr lang="en-US" dirty="0" err="1">
+                <a:latin typeface="Helvetica" panose="020B0604020202020204" pitchFamily="34" charset="0"/>
+                <a:cs typeface="Helvetica" panose="020B0604020202020204" pitchFamily="34" charset="0"/>
+              </a:rPr>
+              <a:t>End_year</a:t>
+            </a:r>
+            <a:r>
+              <a:rPr lang="en-US" dirty="0">
+                <a:latin typeface="Helvetica" panose="020B0604020202020204" pitchFamily="34" charset="0"/>
+                <a:cs typeface="Helvetica" panose="020B0604020202020204" pitchFamily="34" charset="0"/>
+              </a:rPr>
+              <a:t>’, ‘</a:t>
+            </a:r>
+            <a:r>
+              <a:rPr lang="en-US" dirty="0" err="1">
+                <a:latin typeface="Helvetica" panose="020B0604020202020204" pitchFamily="34" charset="0"/>
+                <a:cs typeface="Helvetica" panose="020B0604020202020204" pitchFamily="34" charset="0"/>
+              </a:rPr>
+              <a:t>Content_Warning</a:t>
+            </a:r>
+            <a:r>
+              <a:rPr lang="en-US" dirty="0">
+                <a:latin typeface="Helvetica" panose="020B0604020202020204" pitchFamily="34" charset="0"/>
+                <a:cs typeface="Helvetica" panose="020B0604020202020204" pitchFamily="34" charset="0"/>
+              </a:rPr>
+              <a:t>’, ‘</a:t>
+            </a:r>
+            <a:r>
+              <a:rPr lang="en-US" dirty="0" err="1">
+                <a:latin typeface="Helvetica" panose="020B0604020202020204" pitchFamily="34" charset="0"/>
+                <a:cs typeface="Helvetica" panose="020B0604020202020204" pitchFamily="34" charset="0"/>
+              </a:rPr>
+              <a:t>Related_Mange</a:t>
+            </a:r>
+            <a:r>
+              <a:rPr lang="en-US" dirty="0">
+                <a:latin typeface="Helvetica" panose="020B0604020202020204" pitchFamily="34" charset="0"/>
+                <a:cs typeface="Helvetica" panose="020B0604020202020204" pitchFamily="34" charset="0"/>
+              </a:rPr>
+              <a:t>’ were removed due to more than 50% of the columns being null values and are not relevant to our current analysis</a:t>
+            </a:r>
+            <a:endParaRPr lang="en-US" dirty="0">
               <a:latin typeface="Helvetica" panose="020B0604020202020204" pitchFamily="34" charset="0"/>
               <a:cs typeface="Helvetica" panose="020B0604020202020204" pitchFamily="34" charset="0"/>
             </a:endParaRPr>
           </a:p>
+          <a:p>
+            <a:endParaRPr lang="en-US" dirty="0">
+              <a:latin typeface="Helvetica" panose="020B0604020202020204" pitchFamily="34" charset="0"/>
+              <a:cs typeface="Helvetica" panose="020B0604020202020204" pitchFamily="34" charset="0"/>
+            </a:endParaRPr>
+          </a:p>
+          <a:p>
+            <a:r>
+              <a:rPr lang="en-US" dirty="0">
+                <a:latin typeface="Helvetica" panose="020B0604020202020204" pitchFamily="34" charset="0"/>
+                <a:cs typeface="Helvetica" panose="020B0604020202020204" pitchFamily="34" charset="0"/>
+              </a:rPr>
+              <a:t>Unnecessary spaces were removed from ‘Type’</a:t>
+            </a:r>
+            <a:endParaRPr lang="en-US" dirty="0">
+              <a:latin typeface="Helvetica" panose="020B0604020202020204" pitchFamily="34" charset="0"/>
+              <a:cs typeface="Helvetica" panose="020B0604020202020204" pitchFamily="34" charset="0"/>
+            </a:endParaRPr>
+          </a:p>
+          <a:p>
+            <a:endParaRPr lang="en-US" dirty="0">
+              <a:latin typeface="Helvetica" panose="020B0604020202020204" pitchFamily="34" charset="0"/>
+              <a:cs typeface="Helvetica" panose="020B0604020202020204" pitchFamily="34" charset="0"/>
+            </a:endParaRPr>
+          </a:p>
+          <a:p>
+            <a:r>
+              <a:rPr lang="en-US" dirty="0">
+                <a:latin typeface="Helvetica" panose="020B0604020202020204" pitchFamily="34" charset="0"/>
+                <a:cs typeface="Helvetica" panose="020B0604020202020204" pitchFamily="34" charset="0"/>
+              </a:rPr>
+              <a:t>Count columns were created for ‘</a:t>
+            </a:r>
+            <a:r>
+              <a:rPr lang="en-US" dirty="0" err="1">
+                <a:latin typeface="Helvetica" panose="020B0604020202020204" pitchFamily="34" charset="0"/>
+                <a:cs typeface="Helvetica" panose="020B0604020202020204" pitchFamily="34" charset="0"/>
+              </a:rPr>
+              <a:t>Voice_actors</a:t>
+            </a:r>
+            <a:r>
+              <a:rPr lang="en-US" dirty="0">
+                <a:latin typeface="Helvetica" panose="020B0604020202020204" pitchFamily="34" charset="0"/>
+                <a:cs typeface="Helvetica" panose="020B0604020202020204" pitchFamily="34" charset="0"/>
+              </a:rPr>
+              <a:t>’, ‘staff’,‘</a:t>
+            </a:r>
+            <a:r>
+              <a:rPr lang="en-US" dirty="0" err="1">
+                <a:latin typeface="Helvetica" panose="020B0604020202020204" pitchFamily="34" charset="0"/>
+                <a:cs typeface="Helvetica" panose="020B0604020202020204" pitchFamily="34" charset="0"/>
+              </a:rPr>
+              <a:t>Related_anime</a:t>
+            </a:r>
+            <a:r>
+              <a:rPr lang="en-US" dirty="0">
+                <a:latin typeface="Helvetica" panose="020B0604020202020204" pitchFamily="34" charset="0"/>
+                <a:cs typeface="Helvetica" panose="020B0604020202020204" pitchFamily="34" charset="0"/>
+              </a:rPr>
+              <a:t>’, ‘</a:t>
+            </a:r>
+            <a:r>
+              <a:rPr lang="en-US" dirty="0" err="1">
+                <a:latin typeface="Helvetica" panose="020B0604020202020204" pitchFamily="34" charset="0"/>
+                <a:cs typeface="Helvetica" panose="020B0604020202020204" pitchFamily="34" charset="0"/>
+              </a:rPr>
+              <a:t>Related_Mange</a:t>
+            </a:r>
+            <a:r>
+              <a:rPr lang="en-US" dirty="0">
+                <a:latin typeface="Helvetica" panose="020B0604020202020204" pitchFamily="34" charset="0"/>
+                <a:cs typeface="Helvetica" panose="020B0604020202020204" pitchFamily="34" charset="0"/>
+              </a:rPr>
+              <a:t>’, and ‘Tags’</a:t>
+            </a:r>
+            <a:endParaRPr lang="en-US" dirty="0">
+              <a:latin typeface="Helvetica" panose="020B0604020202020204" pitchFamily="34" charset="0"/>
+              <a:cs typeface="Helvetica" panose="020B0604020202020204" pitchFamily="34" charset="0"/>
+            </a:endParaRPr>
+          </a:p>
+          <a:p>
+            <a:pPr lvl="1"/>
+            <a:r>
+              <a:rPr lang="en-US" dirty="0">
+                <a:latin typeface="Helvetica" panose="020B0604020202020204" pitchFamily="34" charset="0"/>
+                <a:cs typeface="Helvetica" panose="020B0604020202020204" pitchFamily="34" charset="0"/>
+              </a:rPr>
+              <a:t>the original columns were then removed </a:t>
+            </a:r>
+            <a:endParaRPr lang="en-US" dirty="0">
+              <a:latin typeface="Helvetica" panose="020B0604020202020204" pitchFamily="34" charset="0"/>
+              <a:cs typeface="Helvetica" panose="020B0604020202020204" pitchFamily="34" charset="0"/>
+            </a:endParaRPr>
+          </a:p>
+          <a:p>
+            <a:pPr lvl="1"/>
+            <a:r>
+              <a:rPr lang="en-US" dirty="0">
+                <a:latin typeface="Helvetica" panose="020B0604020202020204" pitchFamily="34" charset="0"/>
+                <a:cs typeface="Helvetica" panose="020B0604020202020204" pitchFamily="34" charset="0"/>
+              </a:rPr>
+              <a:t>This creates columns based on integers instead of strings</a:t>
+            </a:r>
+            <a:endParaRPr lang="en-US" dirty="0">
+              <a:latin typeface="Helvetica" panose="020B0604020202020204" pitchFamily="34" charset="0"/>
+              <a:cs typeface="Helvetica" panose="020B0604020202020204" pitchFamily="34" charset="0"/>
+            </a:endParaRPr>
+          </a:p>
+          <a:p>
+            <a:endParaRPr lang="en-US" dirty="0">
+              <a:latin typeface="Helvetica" panose="020B0604020202020204" pitchFamily="34" charset="0"/>
+              <a:cs typeface="Helvetica" panose="020B0604020202020204" pitchFamily="34" charset="0"/>
+            </a:endParaRPr>
+          </a:p>
+          <a:p>
+            <a:r>
+              <a:rPr lang="en-US" dirty="0">
+                <a:latin typeface="Helvetica" panose="020B0604020202020204" pitchFamily="34" charset="0"/>
+                <a:cs typeface="Helvetica" panose="020B0604020202020204" pitchFamily="34" charset="0"/>
+              </a:rPr>
+              <a:t>‘</a:t>
+            </a:r>
+            <a:r>
+              <a:rPr lang="en-US" dirty="0" err="1">
+                <a:latin typeface="Helvetica" panose="020B0604020202020204" pitchFamily="34" charset="0"/>
+                <a:cs typeface="Helvetica" panose="020B0604020202020204" pitchFamily="34" charset="0"/>
+              </a:rPr>
+              <a:t>Related_anime</a:t>
+            </a:r>
+            <a:r>
+              <a:rPr lang="en-US" dirty="0">
+                <a:latin typeface="Helvetica" panose="020B0604020202020204" pitchFamily="34" charset="0"/>
+                <a:cs typeface="Helvetica" panose="020B0604020202020204" pitchFamily="34" charset="0"/>
+              </a:rPr>
+              <a:t>’ and ‘</a:t>
+            </a:r>
+            <a:r>
+              <a:rPr lang="en-US" dirty="0" err="1">
+                <a:latin typeface="Helvetica" panose="020B0604020202020204" pitchFamily="34" charset="0"/>
+                <a:cs typeface="Helvetica" panose="020B0604020202020204" pitchFamily="34" charset="0"/>
+              </a:rPr>
+              <a:t>Related_Mange</a:t>
+            </a:r>
+            <a:r>
+              <a:rPr lang="en-US" dirty="0">
+                <a:latin typeface="Helvetica" panose="020B0604020202020204" pitchFamily="34" charset="0"/>
+                <a:cs typeface="Helvetica" panose="020B0604020202020204" pitchFamily="34" charset="0"/>
+              </a:rPr>
+              <a:t>’ counts were also added together to create a ‘</a:t>
+            </a:r>
+            <a:r>
+              <a:rPr lang="en-US" dirty="0" err="1">
+                <a:latin typeface="Helvetica" panose="020B0604020202020204" pitchFamily="34" charset="0"/>
+                <a:cs typeface="Helvetica" panose="020B0604020202020204" pitchFamily="34" charset="0"/>
+              </a:rPr>
+              <a:t>rel_media_count</a:t>
+            </a:r>
+            <a:r>
+              <a:rPr lang="en-US" dirty="0">
+                <a:latin typeface="Helvetica" panose="020B0604020202020204" pitchFamily="34" charset="0"/>
+                <a:cs typeface="Helvetica" panose="020B0604020202020204" pitchFamily="34" charset="0"/>
+              </a:rPr>
+              <a:t>’ column</a:t>
+            </a:r>
+            <a:endParaRPr lang="en-US" dirty="0">
+              <a:latin typeface="Helvetica" panose="020B0604020202020204" pitchFamily="34" charset="0"/>
+              <a:cs typeface="Helvetica" panose="020B0604020202020204" pitchFamily="34" charset="0"/>
+            </a:endParaRPr>
+          </a:p>
+          <a:p>
+            <a:endParaRPr lang="en-US" dirty="0">
+              <a:latin typeface="Helvetica" panose="020B0604020202020204" pitchFamily="34" charset="0"/>
+              <a:cs typeface="Helvetica" panose="020B0604020202020204" pitchFamily="34" charset="0"/>
+            </a:endParaRPr>
+          </a:p>
         </p:txBody>
       </p:sp>
       <p:pic>
         <p:nvPicPr>
-          <p:cNvPr id="6" name="Picture 5"/>
+          <p:cNvPr id="8" name="Picture 7"/>
           <p:cNvPicPr>
             <a:picLocks noChangeAspect="1"/>
           </p:cNvPicPr>
@@ -10651,8 +10573,8 @@
         </p:blipFill>
         <p:spPr>
           <a:xfrm>
-            <a:off x="7525024" y="1768415"/>
-            <a:ext cx="3733052" cy="4720063"/>
+            <a:off x="7436278" y="1723207"/>
+            <a:ext cx="4069921" cy="4964409"/>
           </a:xfrm>
           <a:prstGeom prst="rect">
             <a:avLst/>
